--- a/Lessons/state_space.pptx
+++ b/Lessons/state_space.pptx
@@ -211,7 +211,7 @@
           <a:p>
             <a:fld id="{99D4630A-6D3B-4C97-A7DC-509EB0048625}" type="datetimeFigureOut">
               <a:rPr lang="it-CH" smtClean="0"/>
-              <a:t>09.04.24</a:t>
+              <a:t>16.04.24</a:t>
             </a:fld>
             <a:endParaRPr lang="it-CH"/>
           </a:p>
@@ -1953,7 +1953,7 @@
           <a:p>
             <a:fld id="{2A147C38-CC24-4E9D-9FE1-BE5105214113}" type="datetimeFigureOut">
               <a:rPr lang="it-CH" smtClean="0"/>
-              <a:t>09.04.24</a:t>
+              <a:t>16.04.24</a:t>
             </a:fld>
             <a:endParaRPr lang="it-CH"/>
           </a:p>
@@ -2161,7 +2161,7 @@
           <a:p>
             <a:fld id="{2A147C38-CC24-4E9D-9FE1-BE5105214113}" type="datetimeFigureOut">
               <a:rPr lang="it-CH" smtClean="0"/>
-              <a:t>09.04.24</a:t>
+              <a:t>16.04.24</a:t>
             </a:fld>
             <a:endParaRPr lang="it-CH"/>
           </a:p>
@@ -2374,7 +2374,7 @@
           <a:p>
             <a:fld id="{2A147C38-CC24-4E9D-9FE1-BE5105214113}" type="datetimeFigureOut">
               <a:rPr lang="it-CH" smtClean="0"/>
-              <a:t>09.04.24</a:t>
+              <a:t>16.04.24</a:t>
             </a:fld>
             <a:endParaRPr lang="it-CH"/>
           </a:p>
@@ -2705,7 +2705,7 @@
           <a:p>
             <a:fld id="{2A147C38-CC24-4E9D-9FE1-BE5105214113}" type="datetimeFigureOut">
               <a:rPr lang="it-CH" smtClean="0"/>
-              <a:t>09.04.24</a:t>
+              <a:t>16.04.24</a:t>
             </a:fld>
             <a:endParaRPr lang="it-CH"/>
           </a:p>
@@ -2984,7 +2984,7 @@
           <a:p>
             <a:fld id="{2A147C38-CC24-4E9D-9FE1-BE5105214113}" type="datetimeFigureOut">
               <a:rPr lang="it-CH" smtClean="0"/>
-              <a:t>09.04.24</a:t>
+              <a:t>16.04.24</a:t>
             </a:fld>
             <a:endParaRPr lang="it-CH"/>
           </a:p>
@@ -3260,7 +3260,7 @@
           <a:p>
             <a:fld id="{2A147C38-CC24-4E9D-9FE1-BE5105214113}" type="datetimeFigureOut">
               <a:rPr lang="it-CH" smtClean="0"/>
-              <a:t>09.04.24</a:t>
+              <a:t>16.04.24</a:t>
             </a:fld>
             <a:endParaRPr lang="it-CH"/>
           </a:p>
@@ -3678,7 +3678,7 @@
           <a:p>
             <a:fld id="{2A147C38-CC24-4E9D-9FE1-BE5105214113}" type="datetimeFigureOut">
               <a:rPr lang="it-CH" smtClean="0"/>
-              <a:t>09.04.24</a:t>
+              <a:t>16.04.24</a:t>
             </a:fld>
             <a:endParaRPr lang="it-CH"/>
           </a:p>
@@ -3828,7 +3828,7 @@
           <a:p>
             <a:fld id="{2A147C38-CC24-4E9D-9FE1-BE5105214113}" type="datetimeFigureOut">
               <a:rPr lang="it-CH" smtClean="0"/>
-              <a:t>09.04.24</a:t>
+              <a:t>16.04.24</a:t>
             </a:fld>
             <a:endParaRPr lang="it-CH"/>
           </a:p>
@@ -3941,7 +3941,7 @@
           <a:p>
             <a:fld id="{2A147C38-CC24-4E9D-9FE1-BE5105214113}" type="datetimeFigureOut">
               <a:rPr lang="it-CH" smtClean="0"/>
-              <a:t>09.04.24</a:t>
+              <a:t>16.04.24</a:t>
             </a:fld>
             <a:endParaRPr lang="it-CH"/>
           </a:p>
@@ -4257,7 +4257,7 @@
           <a:p>
             <a:fld id="{2A147C38-CC24-4E9D-9FE1-BE5105214113}" type="datetimeFigureOut">
               <a:rPr lang="it-CH" smtClean="0"/>
-              <a:t>09.04.24</a:t>
+              <a:t>16.04.24</a:t>
             </a:fld>
             <a:endParaRPr lang="it-CH"/>
           </a:p>
@@ -4549,7 +4549,7 @@
           <a:p>
             <a:fld id="{2A147C38-CC24-4E9D-9FE1-BE5105214113}" type="datetimeFigureOut">
               <a:rPr lang="it-CH" smtClean="0"/>
-              <a:t>09.04.24</a:t>
+              <a:t>16.04.24</a:t>
             </a:fld>
             <a:endParaRPr lang="it-CH"/>
           </a:p>
@@ -4792,7 +4792,7 @@
           <a:p>
             <a:fld id="{2A147C38-CC24-4E9D-9FE1-BE5105214113}" type="datetimeFigureOut">
               <a:rPr lang="it-CH" smtClean="0"/>
-              <a:t>09.04.24</a:t>
+              <a:t>16.04.24</a:t>
             </a:fld>
             <a:endParaRPr lang="it-CH"/>
           </a:p>
@@ -5248,7 +5248,7 @@
         <p:spPr>
           <a:xfrm>
             <a:off x="355801" y="3190028"/>
-            <a:ext cx="11712374" cy="3037563"/>
+            <a:ext cx="11712374" cy="2991396"/>
           </a:xfrm>
           <a:prstGeom prst="rect">
             <a:avLst/>
@@ -5274,15 +5274,17 @@
                   </a:schemeClr>
                 </a:solidFill>
               </a:rPr>
-              <a:t>Neural state-space models</a:t>
-            </a:r>
-          </a:p>
-          <a:p>
-            <a:pPr>
-              <a:lnSpc>
-                <a:spcPct val="150000"/>
-              </a:lnSpc>
-            </a:pPr>
+              <a:t>Deep learning for state-space identification</a:t>
+            </a:r>
+            <a:br>
+              <a:rPr lang="en-US" sz="3600" dirty="0">
+                <a:solidFill>
+                  <a:schemeClr val="accent1">
+                    <a:lumMod val="75000"/>
+                  </a:schemeClr>
+                </a:solidFill>
+              </a:rPr>
+            </a:br>
             <a:r>
               <a:rPr lang="en-US" sz="2400" dirty="0">
                 <a:solidFill>
@@ -5291,7 +5293,7 @@
                   </a:schemeClr>
                 </a:solidFill>
               </a:rPr>
-              <a:t>Introduction</a:t>
+              <a:t>Theory</a:t>
             </a:r>
           </a:p>
           <a:p>
@@ -5526,11 +5528,15 @@
           <a:p>
             <a:r>
               <a:rPr lang="en-US" dirty="0"/>
-              <a:t>Lugano, April, 22</a:t>
-            </a:r>
-            <a:r>
-              <a:rPr lang="en-US" baseline="30000" dirty="0"/>
-              <a:t>nd</a:t>
+              <a:t>Lugano, April</a:t>
+            </a:r>
+            <a:r>
+              <a:rPr lang="en-US"/>
+              <a:t>, 23</a:t>
+            </a:r>
+            <a:r>
+              <a:rPr lang="en-US" baseline="30000"/>
+              <a:t>rd</a:t>
             </a:r>
             <a:r>
               <a:rPr lang="en-US" dirty="0"/>

--- a/Lessons/state_space.pptx
+++ b/Lessons/state_space.pptx
@@ -6382,7 +6382,7 @@
 </file>
 
 <file path=ppt/slides/slide12.xml><?xml version="1.0" encoding="utf-8"?>
-<p:sld xmlns:a="http://schemas.openxmlformats.org/drawingml/2006/main" xmlns:r="http://schemas.openxmlformats.org/officeDocument/2006/relationships" xmlns:p="http://schemas.openxmlformats.org/presentationml/2006/main">
+<p:sld xmlns:a="http://schemas.openxmlformats.org/drawingml/2006/main" xmlns:r="http://schemas.openxmlformats.org/officeDocument/2006/relationships" xmlns:p="http://schemas.openxmlformats.org/presentationml/2006/main" show="0">
   <p:cSld>
     <p:spTree>
       <p:nvGrpSpPr>
@@ -7619,7 +7619,7 @@
         </p:blipFill>
         <p:spPr>
           <a:xfrm>
-            <a:off x="549164" y="1775967"/>
+            <a:off x="618363" y="1752998"/>
             <a:ext cx="3953636" cy="3234183"/>
           </a:xfrm>
           <a:prstGeom prst="rect">
@@ -7888,36 +7888,6 @@
       </mc:AlternateContent>
       <p:pic>
         <p:nvPicPr>
-          <p:cNvPr id="6" name="Picture 5">
-            <a:extLst>
-              <a:ext uri="{FF2B5EF4-FFF2-40B4-BE49-F238E27FC236}">
-                <a16:creationId xmlns:a16="http://schemas.microsoft.com/office/drawing/2014/main" id="{1D1BB49E-6745-3629-13AD-5FE840C2DD8C}"/>
-              </a:ext>
-            </a:extLst>
-          </p:cNvPr>
-          <p:cNvPicPr>
-            <a:picLocks noChangeAspect="1"/>
-          </p:cNvPicPr>
-          <p:nvPr/>
-        </p:nvPicPr>
-        <p:blipFill>
-          <a:blip r:embed="rId8"/>
-          <a:stretch>
-            <a:fillRect/>
-          </a:stretch>
-        </p:blipFill>
-        <p:spPr>
-          <a:xfrm>
-            <a:off x="5946743" y="1775967"/>
-            <a:ext cx="4301183" cy="2903983"/>
-          </a:xfrm>
-          <a:prstGeom prst="rect">
-            <a:avLst/>
-          </a:prstGeom>
-        </p:spPr>
-      </p:pic>
-      <p:pic>
-        <p:nvPicPr>
           <p:cNvPr id="8" name="Picture 7" descr="\documentclass{article}&#10;\usepackage{amsmath}&#10;\newcommand{\sys}{S}&#10;\newcommand{\diss}{d}&#10;\newcommand{\learn}{\mathcal{L}} &#10;\newcommand{\free}{\mathcal{M}}  &#10;\newcommand{\D}{\mathcal{D}}&#10;\newcommand{\R}{\mathbb{R}}&#10;\newcommand{\nsamp}{N}&#10;\newcommand{\norm}[1]{\left\lVert#1\right\rVert}&#10;\newcommand{\E}{\mathbb{E}}&#10;\newcommand{\mdl}{M}&#10;\newcommand{\mdlstruc}{\mathcal{M}}&#10;\pagestyle{empty}&#10;&#10;\begin{document}&#10;&#10;$&#10;x_{k+1} = x_k + f(x_k, u_k; \theta) \\&#10;$&#10;&#10;\end{document}" title="IguanaTex Bitmap Display">
             <a:extLst>
               <a:ext uri="{FF2B5EF4-FFF2-40B4-BE49-F238E27FC236}">
@@ -7935,7 +7905,7 @@
           </p:nvPr>
         </p:nvPicPr>
         <p:blipFill>
-          <a:blip r:embed="rId9">
+          <a:blip r:embed="rId8">
             <a:extLst>
               <a:ext uri="{28A0092B-C50C-407E-A947-70E740481C1C}">
                 <a14:useLocalDpi xmlns:a14="http://schemas.microsoft.com/office/drawing/2010/main" val="0"/>
@@ -7950,6 +7920,36 @@
           <a:xfrm>
             <a:off x="3251199" y="5411667"/>
             <a:ext cx="2641601" cy="254000"/>
+          </a:xfrm>
+          <a:prstGeom prst="rect">
+            <a:avLst/>
+          </a:prstGeom>
+        </p:spPr>
+      </p:pic>
+      <p:pic>
+        <p:nvPicPr>
+          <p:cNvPr id="5" name="Picture 4">
+            <a:extLst>
+              <a:ext uri="{FF2B5EF4-FFF2-40B4-BE49-F238E27FC236}">
+                <a16:creationId xmlns:a16="http://schemas.microsoft.com/office/drawing/2014/main" id="{1F801D60-EE1D-C94D-BCD2-011BFE71F01F}"/>
+              </a:ext>
+            </a:extLst>
+          </p:cNvPr>
+          <p:cNvPicPr>
+            <a:picLocks noChangeAspect="1"/>
+          </p:cNvPicPr>
+          <p:nvPr/>
+        </p:nvPicPr>
+        <p:blipFill>
+          <a:blip r:embed="rId9"/>
+          <a:stretch>
+            <a:fillRect/>
+          </a:stretch>
+        </p:blipFill>
+        <p:spPr>
+          <a:xfrm>
+            <a:off x="6370713" y="1752998"/>
+            <a:ext cx="3678923" cy="3173825"/>
           </a:xfrm>
           <a:prstGeom prst="rect">
             <a:avLst/>
@@ -8131,8 +8131,8 @@
           </a:fontRef>
         </p:style>
       </p:cxnSp>
-      <mc:AlternateContent xmlns:mc="http://schemas.openxmlformats.org/markup-compatibility/2006" xmlns:a14="http://schemas.microsoft.com/office/drawing/2010/main">
-        <mc:Choice Requires="a14">
+      <mc:AlternateContent xmlns:mc="http://schemas.openxmlformats.org/markup-compatibility/2006">
+        <mc:Choice xmlns:a14="http://schemas.microsoft.com/office/drawing/2010/main" Requires="a14">
           <p:sp>
             <p:nvSpPr>
               <p:cNvPr id="2" name="CasellaDiTesto 1">
@@ -8184,11 +8184,8 @@
               <a:p>
                 <a:r>
                   <a:rPr lang="it-CH" sz="2000" dirty="0"/>
-                  <a:t>The model accepts a batch of initial states (B, n_x) and input sequences (B, T, n_u)</a:t>
+                  <a:t>The model accepts a batch of initial states (B, n_x) and input sequences (B, T, n_u) and returns a batch of simulated states (B, T, n_x)</a:t>
                 </a:r>
-              </a:p>
-              <a:p>
-                <a:endParaRPr lang="it-CH" sz="2000" dirty="0"/>
               </a:p>
               <a:p>
                 <a:endParaRPr lang="it-CH" sz="2000" dirty="0"/>
@@ -8217,7 +8214,19 @@
               <a:p>
                 <a:r>
                   <a:rPr lang="it-CH" sz="2000" dirty="0"/>
-                  <a:t>We may finally process batch_x_sim through a feed-forward network to simulate the output </a:t>
+                  <a:t>We may finally process </a:t>
+                </a:r>
+                <a:r>
+                  <a:rPr lang="it-CH" sz="2000" dirty="0">
+                    <a:highlight>
+                      <a:srgbClr val="C0C0C0"/>
+                    </a:highlight>
+                  </a:rPr>
+                  <a:t>batch_x_sim</a:t>
+                </a:r>
+                <a:r>
+                  <a:rPr lang="it-CH" sz="2000" dirty="0"/>
+                  <a:t> through a feed-forward network to simulate the output </a:t>
                 </a:r>
               </a:p>
               <a:p>
@@ -8270,7 +8279,7 @@
                 </a14:m>
                 <a:r>
                   <a:rPr lang="it-CH" sz="2000" dirty="0"/>
-                  <a:t>. Alternatively, we set the output to a subset of the simulated states. </a:t>
+                  <a:t>. Alternatively, we may set the output to a subset of the simulated states. </a:t>
                 </a:r>
               </a:p>
               <a:p>
@@ -8279,7 +8288,7 @@
             </p:txBody>
           </p:sp>
         </mc:Choice>
-        <mc:Fallback xmlns="">
+        <mc:Fallback>
           <p:sp>
             <p:nvSpPr>
               <p:cNvPr id="2" name="CasellaDiTesto 1">
@@ -8358,7 +8367,7 @@
           <p:cNvPr id="3" name="Picture 2">
             <a:extLst>
               <a:ext uri="{FF2B5EF4-FFF2-40B4-BE49-F238E27FC236}">
-                <a16:creationId xmlns:a16="http://schemas.microsoft.com/office/drawing/2014/main" id="{7BDA420A-7877-B4C5-4C0A-C4F91D8EB679}"/>
+                <a16:creationId xmlns:a16="http://schemas.microsoft.com/office/drawing/2014/main" id="{C261563F-55F0-89E8-21C7-A1761EFA5D6B}"/>
               </a:ext>
             </a:extLst>
           </p:cNvPr>
@@ -8367,15 +8376,16 @@
           </p:cNvPicPr>
           <p:nvPr/>
         </p:nvPicPr>
-        <p:blipFill rotWithShape="1">
-          <a:blip r:embed="rId4"/>
-          <a:srcRect t="33946" r="114"/>
-          <a:stretch/>
+        <p:blipFill>
+          <a:blip r:embed="rId5"/>
+          <a:stretch>
+            <a:fillRect/>
+          </a:stretch>
         </p:blipFill>
         <p:spPr>
           <a:xfrm>
-            <a:off x="1739323" y="3101418"/>
-            <a:ext cx="6584373" cy="2459346"/>
+            <a:off x="2025650" y="3518471"/>
+            <a:ext cx="7772400" cy="1789558"/>
           </a:xfrm>
           <a:prstGeom prst="rect">
             <a:avLst/>
@@ -8392,6 +8402,116 @@
   <p:clrMapOvr>
     <a:masterClrMapping/>
   </p:clrMapOvr>
+  <p:timing>
+    <p:tnLst>
+      <p:par>
+        <p:cTn id="1" dur="indefinite" restart="never" nodeType="tmRoot">
+          <p:childTnLst>
+            <p:seq concurrent="1" nextAc="seek">
+              <p:cTn id="2" dur="indefinite" nodeType="mainSeq">
+                <p:childTnLst>
+                  <p:par>
+                    <p:cTn id="3" fill="hold">
+                      <p:stCondLst>
+                        <p:cond delay="indefinite"/>
+                      </p:stCondLst>
+                      <p:childTnLst>
+                        <p:par>
+                          <p:cTn id="4" fill="hold">
+                            <p:stCondLst>
+                              <p:cond delay="0"/>
+                            </p:stCondLst>
+                            <p:childTnLst>
+                              <p:par>
+                                <p:cTn id="5" presetID="1" presetClass="entr" presetSubtype="0" fill="hold" nodeType="clickEffect">
+                                  <p:stCondLst>
+                                    <p:cond delay="0"/>
+                                  </p:stCondLst>
+                                  <p:childTnLst>
+                                    <p:set>
+                                      <p:cBhvr>
+                                        <p:cTn id="6" dur="1" fill="hold">
+                                          <p:stCondLst>
+                                            <p:cond delay="0"/>
+                                          </p:stCondLst>
+                                        </p:cTn>
+                                        <p:tgtEl>
+                                          <p:spTgt spid="2">
+                                            <p:txEl>
+                                              <p:pRg st="15" end="15"/>
+                                            </p:txEl>
+                                          </p:spTgt>
+                                        </p:tgtEl>
+                                        <p:attrNameLst>
+                                          <p:attrName>style.visibility</p:attrName>
+                                        </p:attrNameLst>
+                                      </p:cBhvr>
+                                      <p:to>
+                                        <p:strVal val="visible"/>
+                                      </p:to>
+                                    </p:set>
+                                  </p:childTnLst>
+                                </p:cTn>
+                              </p:par>
+                              <p:par>
+                                <p:cTn id="7" presetID="1" presetClass="entr" presetSubtype="0" fill="hold" nodeType="withEffect">
+                                  <p:stCondLst>
+                                    <p:cond delay="0"/>
+                                  </p:stCondLst>
+                                  <p:childTnLst>
+                                    <p:set>
+                                      <p:cBhvr>
+                                        <p:cTn id="8" dur="1" fill="hold">
+                                          <p:stCondLst>
+                                            <p:cond delay="0"/>
+                                          </p:stCondLst>
+                                        </p:cTn>
+                                        <p:tgtEl>
+                                          <p:spTgt spid="2">
+                                            <p:txEl>
+                                              <p:pRg st="16" end="16"/>
+                                            </p:txEl>
+                                          </p:spTgt>
+                                        </p:tgtEl>
+                                        <p:attrNameLst>
+                                          <p:attrName>style.visibility</p:attrName>
+                                        </p:attrNameLst>
+                                      </p:cBhvr>
+                                      <p:to>
+                                        <p:strVal val="visible"/>
+                                      </p:to>
+                                    </p:set>
+                                  </p:childTnLst>
+                                </p:cTn>
+                              </p:par>
+                            </p:childTnLst>
+                          </p:cTn>
+                        </p:par>
+                      </p:childTnLst>
+                    </p:cTn>
+                  </p:par>
+                </p:childTnLst>
+              </p:cTn>
+              <p:prevCondLst>
+                <p:cond evt="onPrev" delay="0">
+                  <p:tgtEl>
+                    <p:sldTgt/>
+                  </p:tgtEl>
+                </p:cond>
+              </p:prevCondLst>
+              <p:nextCondLst>
+                <p:cond evt="onNext" delay="0">
+                  <p:tgtEl>
+                    <p:sldTgt/>
+                  </p:tgtEl>
+                </p:cond>
+              </p:nextCondLst>
+            </p:seq>
+          </p:childTnLst>
+        </p:cTn>
+      </p:par>
+    </p:tnLst>
+  </p:timing>
 </p:sld>
 </file>
 
@@ -8789,8 +8909,8 @@
           </a:fontRef>
         </p:style>
       </p:cxnSp>
-      <mc:AlternateContent xmlns:mc="http://schemas.openxmlformats.org/markup-compatibility/2006" xmlns:a14="http://schemas.microsoft.com/office/drawing/2010/main">
-        <mc:Choice Requires="a14">
+      <mc:AlternateContent xmlns:mc="http://schemas.openxmlformats.org/markup-compatibility/2006">
+        <mc:Choice xmlns:a14="http://schemas.microsoft.com/office/drawing/2010/main" Requires="a14">
           <p:sp>
             <p:nvSpPr>
               <p:cNvPr id="2" name="CasellaDiTesto 1">
@@ -8856,7 +8976,7 @@
                 </a14:m>
                 <a:r>
                   <a:rPr lang="it-CH" sz="2400" dirty="0"/>
-                  <a:t> is the state vector. It is a latent, unobserved quantity</a:t>
+                  <a:t> is the state vector. It is a latent (=hidden, unobserved) quantity</a:t>
                 </a:r>
               </a:p>
               <a:p>
@@ -8944,7 +9064,7 @@
                 </a:pPr>
                 <a:r>
                   <a:rPr lang="it-CH" sz="2400" dirty="0"/>
-                  <a:t>Familiar to the system &amp; control practicioner/researcher</a:t>
+                  <a:t>Familiar to the engineer/researcher</a:t>
                 </a:r>
               </a:p>
               <a:p>
@@ -8973,7 +9093,7 @@
             </p:txBody>
           </p:sp>
         </mc:Choice>
-        <mc:Fallback xmlns="">
+        <mc:Fallback>
           <p:sp>
             <p:nvSpPr>
               <p:cNvPr id="2" name="CasellaDiTesto 1">
@@ -9473,8 +9593,8 @@
           </a:fontRef>
         </p:style>
       </p:cxnSp>
-      <mc:AlternateContent xmlns:mc="http://schemas.openxmlformats.org/markup-compatibility/2006" xmlns:a14="http://schemas.microsoft.com/office/drawing/2010/main">
-        <mc:Choice Requires="a14">
+      <mc:AlternateContent xmlns:mc="http://schemas.openxmlformats.org/markup-compatibility/2006">
+        <mc:Choice xmlns:a14="http://schemas.microsoft.com/office/drawing/2010/main" Requires="a14">
           <p:sp>
             <p:nvSpPr>
               <p:cNvPr id="2" name="CasellaDiTesto 1">
@@ -9589,7 +9709,7 @@
               <a:p>
                 <a:r>
                   <a:rPr lang="it-CH" sz="2400" dirty="0"/>
-                  <a:t>With  respect to standard RNNs (Elman, LSTM, GRU), focus on:</a:t>
+                  <a:t>With  respect to standard deep-learning RNNs (Elman, LSTM, GRU), focus on:</a:t>
                 </a:r>
               </a:p>
               <a:p>
@@ -9624,7 +9744,7 @@
             </p:txBody>
           </p:sp>
         </mc:Choice>
-        <mc:Fallback xmlns="">
+        <mc:Fallback>
           <p:sp>
             <p:nvSpPr>
               <p:cNvPr id="2" name="CasellaDiTesto 1">
@@ -11396,8 +11516,8 @@
           </a:fontRef>
         </p:style>
       </p:cxnSp>
-      <mc:AlternateContent xmlns:mc="http://schemas.openxmlformats.org/markup-compatibility/2006" xmlns:a14="http://schemas.microsoft.com/office/drawing/2010/main">
-        <mc:Choice Requires="a14">
+      <mc:AlternateContent xmlns:mc="http://schemas.openxmlformats.org/markup-compatibility/2006">
+        <mc:Choice xmlns:a14="http://schemas.microsoft.com/office/drawing/2010/main" Requires="a14">
           <p:sp>
             <p:nvSpPr>
               <p:cNvPr id="2" name="CasellaDiTesto 1">
@@ -11577,7 +11697,11 @@
                 </a:pPr>
                 <a:r>
                   <a:rPr lang="it-CH" sz="2000" dirty="0"/>
-                  <a:t>It might be numerically hard</a:t>
+                  <a:t>It might be </a:t>
+                </a:r>
+                <a:r>
+                  <a:rPr lang="it-CH" sz="2000" b="1" dirty="0"/>
+                  <a:t>numerically hard</a:t>
                 </a:r>
               </a:p>
               <a:p>
@@ -11648,7 +11772,7 @@
             </p:txBody>
           </p:sp>
         </mc:Choice>
-        <mc:Fallback xmlns="">
+        <mc:Fallback>
           <p:sp>
             <p:nvSpPr>
               <p:cNvPr id="2" name="CasellaDiTesto 1">
@@ -13166,7 +13290,7 @@
             </a:r>
             <a:r>
               <a:rPr lang="it-CH" sz="1400" dirty="0"/>
-              <a:t>M.Forgione and D.Piga, </a:t>
+              <a:t>M.Forgione, M.Mejari, and D.Piga, </a:t>
             </a:r>
             <a:r>
               <a:rPr lang="it-CH" sz="1400" dirty="0">
@@ -13186,7 +13310,7 @@
             </a:pPr>
             <a:r>
               <a:rPr lang="it-CH" sz="2000" dirty="0"/>
-              <a:t>Very simple, yet effective when the system a short memory wrt sequence length m</a:t>
+              <a:t>Very simple, yet effective when the system memory is short  wrt sequence length m</a:t>
             </a:r>
           </a:p>
           <a:p>

--- a/Lessons/state_space.pptx
+++ b/Lessons/state_space.pptx
@@ -211,7 +211,7 @@
           <a:p>
             <a:fld id="{99D4630A-6D3B-4C97-A7DC-509EB0048625}" type="datetimeFigureOut">
               <a:rPr lang="it-CH" smtClean="0"/>
-              <a:t>16.04.24</a:t>
+              <a:t>19.04.24</a:t>
             </a:fld>
             <a:endParaRPr lang="it-CH"/>
           </a:p>
@@ -1953,7 +1953,7 @@
           <a:p>
             <a:fld id="{2A147C38-CC24-4E9D-9FE1-BE5105214113}" type="datetimeFigureOut">
               <a:rPr lang="it-CH" smtClean="0"/>
-              <a:t>16.04.24</a:t>
+              <a:t>19.04.24</a:t>
             </a:fld>
             <a:endParaRPr lang="it-CH"/>
           </a:p>
@@ -2161,7 +2161,7 @@
           <a:p>
             <a:fld id="{2A147C38-CC24-4E9D-9FE1-BE5105214113}" type="datetimeFigureOut">
               <a:rPr lang="it-CH" smtClean="0"/>
-              <a:t>16.04.24</a:t>
+              <a:t>19.04.24</a:t>
             </a:fld>
             <a:endParaRPr lang="it-CH"/>
           </a:p>
@@ -2374,7 +2374,7 @@
           <a:p>
             <a:fld id="{2A147C38-CC24-4E9D-9FE1-BE5105214113}" type="datetimeFigureOut">
               <a:rPr lang="it-CH" smtClean="0"/>
-              <a:t>16.04.24</a:t>
+              <a:t>19.04.24</a:t>
             </a:fld>
             <a:endParaRPr lang="it-CH"/>
           </a:p>
@@ -2705,7 +2705,7 @@
           <a:p>
             <a:fld id="{2A147C38-CC24-4E9D-9FE1-BE5105214113}" type="datetimeFigureOut">
               <a:rPr lang="it-CH" smtClean="0"/>
-              <a:t>16.04.24</a:t>
+              <a:t>19.04.24</a:t>
             </a:fld>
             <a:endParaRPr lang="it-CH"/>
           </a:p>
@@ -2984,7 +2984,7 @@
           <a:p>
             <a:fld id="{2A147C38-CC24-4E9D-9FE1-BE5105214113}" type="datetimeFigureOut">
               <a:rPr lang="it-CH" smtClean="0"/>
-              <a:t>16.04.24</a:t>
+              <a:t>19.04.24</a:t>
             </a:fld>
             <a:endParaRPr lang="it-CH"/>
           </a:p>
@@ -3260,7 +3260,7 @@
           <a:p>
             <a:fld id="{2A147C38-CC24-4E9D-9FE1-BE5105214113}" type="datetimeFigureOut">
               <a:rPr lang="it-CH" smtClean="0"/>
-              <a:t>16.04.24</a:t>
+              <a:t>19.04.24</a:t>
             </a:fld>
             <a:endParaRPr lang="it-CH"/>
           </a:p>
@@ -3678,7 +3678,7 @@
           <a:p>
             <a:fld id="{2A147C38-CC24-4E9D-9FE1-BE5105214113}" type="datetimeFigureOut">
               <a:rPr lang="it-CH" smtClean="0"/>
-              <a:t>16.04.24</a:t>
+              <a:t>19.04.24</a:t>
             </a:fld>
             <a:endParaRPr lang="it-CH"/>
           </a:p>
@@ -3828,7 +3828,7 @@
           <a:p>
             <a:fld id="{2A147C38-CC24-4E9D-9FE1-BE5105214113}" type="datetimeFigureOut">
               <a:rPr lang="it-CH" smtClean="0"/>
-              <a:t>16.04.24</a:t>
+              <a:t>19.04.24</a:t>
             </a:fld>
             <a:endParaRPr lang="it-CH"/>
           </a:p>
@@ -3941,7 +3941,7 @@
           <a:p>
             <a:fld id="{2A147C38-CC24-4E9D-9FE1-BE5105214113}" type="datetimeFigureOut">
               <a:rPr lang="it-CH" smtClean="0"/>
-              <a:t>16.04.24</a:t>
+              <a:t>19.04.24</a:t>
             </a:fld>
             <a:endParaRPr lang="it-CH"/>
           </a:p>
@@ -4257,7 +4257,7 @@
           <a:p>
             <a:fld id="{2A147C38-CC24-4E9D-9FE1-BE5105214113}" type="datetimeFigureOut">
               <a:rPr lang="it-CH" smtClean="0"/>
-              <a:t>16.04.24</a:t>
+              <a:t>19.04.24</a:t>
             </a:fld>
             <a:endParaRPr lang="it-CH"/>
           </a:p>
@@ -4549,7 +4549,7 @@
           <a:p>
             <a:fld id="{2A147C38-CC24-4E9D-9FE1-BE5105214113}" type="datetimeFigureOut">
               <a:rPr lang="it-CH" smtClean="0"/>
-              <a:t>16.04.24</a:t>
+              <a:t>19.04.24</a:t>
             </a:fld>
             <a:endParaRPr lang="it-CH"/>
           </a:p>
@@ -4792,7 +4792,7 @@
           <a:p>
             <a:fld id="{2A147C38-CC24-4E9D-9FE1-BE5105214113}" type="datetimeFigureOut">
               <a:rPr lang="it-CH" smtClean="0"/>
-              <a:t>16.04.24</a:t>
+              <a:t>19.04.24</a:t>
             </a:fld>
             <a:endParaRPr lang="it-CH"/>
           </a:p>
@@ -8131,8 +8131,8 @@
           </a:fontRef>
         </p:style>
       </p:cxnSp>
-      <mc:AlternateContent xmlns:mc="http://schemas.openxmlformats.org/markup-compatibility/2006">
-        <mc:Choice xmlns:a14="http://schemas.microsoft.com/office/drawing/2010/main" Requires="a14">
+      <mc:AlternateContent xmlns:mc="http://schemas.openxmlformats.org/markup-compatibility/2006" xmlns:a14="http://schemas.microsoft.com/office/drawing/2010/main">
+        <mc:Choice Requires="a14">
           <p:sp>
             <p:nvSpPr>
               <p:cNvPr id="2" name="CasellaDiTesto 1">
@@ -8214,19 +8214,7 @@
               <a:p>
                 <a:r>
                   <a:rPr lang="it-CH" sz="2000" dirty="0"/>
-                  <a:t>We may finally process </a:t>
-                </a:r>
-                <a:r>
-                  <a:rPr lang="it-CH" sz="2000" dirty="0">
-                    <a:highlight>
-                      <a:srgbClr val="C0C0C0"/>
-                    </a:highlight>
-                  </a:rPr>
-                  <a:t>batch_x_sim</a:t>
-                </a:r>
-                <a:r>
-                  <a:rPr lang="it-CH" sz="2000" dirty="0"/>
-                  <a:t> through a feed-forward network to simulate the output </a:t>
+                  <a:t>We may finally process batch_x_sim through a feed-forward network to simulate the output </a:t>
                 </a:r>
               </a:p>
               <a:p>
@@ -8288,7 +8276,7 @@
             </p:txBody>
           </p:sp>
         </mc:Choice>
-        <mc:Fallback>
+        <mc:Fallback xmlns="">
           <p:sp>
             <p:nvSpPr>
               <p:cNvPr id="2" name="CasellaDiTesto 1">
@@ -8335,10 +8323,10 @@
       </mc:AlternateContent>
       <p:pic>
         <p:nvPicPr>
-          <p:cNvPr id="5" name="Picture 4">
-            <a:extLst>
-              <a:ext uri="{FF2B5EF4-FFF2-40B4-BE49-F238E27FC236}">
-                <a16:creationId xmlns:a16="http://schemas.microsoft.com/office/drawing/2014/main" id="{D0DCA627-BFBE-E4B3-3B8D-F72D2C3960CB}"/>
+          <p:cNvPr id="3" name="Picture 2">
+            <a:extLst>
+              <a:ext uri="{FF2B5EF4-FFF2-40B4-BE49-F238E27FC236}">
+                <a16:creationId xmlns:a16="http://schemas.microsoft.com/office/drawing/2014/main" id="{C261563F-55F0-89E8-21C7-A1761EFA5D6B}"/>
               </a:ext>
             </a:extLst>
           </p:cNvPr>
@@ -8347,15 +8335,16 @@
           </p:cNvPicPr>
           <p:nvPr/>
         </p:nvPicPr>
-        <p:blipFill rotWithShape="1">
+        <p:blipFill>
           <a:blip r:embed="rId4"/>
-          <a:srcRect b="64610"/>
-          <a:stretch/>
+          <a:stretch>
+            <a:fillRect/>
+          </a:stretch>
         </p:blipFill>
         <p:spPr>
           <a:xfrm>
-            <a:off x="1822450" y="1287013"/>
-            <a:ext cx="6591877" cy="1317642"/>
+            <a:off x="1666421" y="3518471"/>
+            <a:ext cx="8216114" cy="1891721"/>
           </a:xfrm>
           <a:prstGeom prst="rect">
             <a:avLst/>
@@ -8364,10 +8353,10 @@
       </p:pic>
       <p:pic>
         <p:nvPicPr>
-          <p:cNvPr id="3" name="Picture 2">
-            <a:extLst>
-              <a:ext uri="{FF2B5EF4-FFF2-40B4-BE49-F238E27FC236}">
-                <a16:creationId xmlns:a16="http://schemas.microsoft.com/office/drawing/2014/main" id="{C261563F-55F0-89E8-21C7-A1761EFA5D6B}"/>
+          <p:cNvPr id="4" name="Picture 3">
+            <a:extLst>
+              <a:ext uri="{FF2B5EF4-FFF2-40B4-BE49-F238E27FC236}">
+                <a16:creationId xmlns:a16="http://schemas.microsoft.com/office/drawing/2014/main" id="{E6B8A2C6-9A85-8DD3-31EE-FF8610B001A0}"/>
               </a:ext>
             </a:extLst>
           </p:cNvPr>
@@ -8384,8 +8373,8 @@
         </p:blipFill>
         <p:spPr>
           <a:xfrm>
-            <a:off x="2025650" y="3518471"/>
-            <a:ext cx="7772400" cy="1789558"/>
+            <a:off x="1666421" y="1328340"/>
+            <a:ext cx="6280150" cy="1130830"/>
           </a:xfrm>
           <a:prstGeom prst="rect">
             <a:avLst/>
@@ -8909,8 +8898,8 @@
           </a:fontRef>
         </p:style>
       </p:cxnSp>
-      <mc:AlternateContent xmlns:mc="http://schemas.openxmlformats.org/markup-compatibility/2006">
-        <mc:Choice xmlns:a14="http://schemas.microsoft.com/office/drawing/2010/main" Requires="a14">
+      <mc:AlternateContent xmlns:mc="http://schemas.openxmlformats.org/markup-compatibility/2006" xmlns:a14="http://schemas.microsoft.com/office/drawing/2010/main">
+        <mc:Choice Requires="a14">
           <p:sp>
             <p:nvSpPr>
               <p:cNvPr id="2" name="CasellaDiTesto 1">
@@ -8996,7 +8985,7 @@
                 </a14:m>
                 <a:r>
                   <a:rPr lang="it-CH" sz="2400" dirty="0"/>
-                  <a:t> is the input vector</a:t>
+                  <a:t> is the input vector (=external/exogenous variable, covariate)</a:t>
                 </a:r>
               </a:p>
               <a:p>
@@ -9093,7 +9082,7 @@
             </p:txBody>
           </p:sp>
         </mc:Choice>
-        <mc:Fallback>
+        <mc:Fallback xmlns="">
           <p:sp>
             <p:nvSpPr>
               <p:cNvPr id="2" name="CasellaDiTesto 1">
@@ -9593,8 +9582,8 @@
           </a:fontRef>
         </p:style>
       </p:cxnSp>
-      <mc:AlternateContent xmlns:mc="http://schemas.openxmlformats.org/markup-compatibility/2006">
-        <mc:Choice xmlns:a14="http://schemas.microsoft.com/office/drawing/2010/main" Requires="a14">
+      <mc:AlternateContent xmlns:mc="http://schemas.openxmlformats.org/markup-compatibility/2006" xmlns:a14="http://schemas.microsoft.com/office/drawing/2010/main">
+        <mc:Choice Requires="a14">
           <p:sp>
             <p:nvSpPr>
               <p:cNvPr id="2" name="CasellaDiTesto 1">
@@ -9709,7 +9698,7 @@
               <a:p>
                 <a:r>
                   <a:rPr lang="it-CH" sz="2400" dirty="0"/>
-                  <a:t>With  respect to standard deep-learning RNNs (Elman, LSTM, GRU), focus on:</a:t>
+                  <a:t>With  respect to standard RNNs (Elman RNN, LSTM, GRU), focus on:</a:t>
                 </a:r>
               </a:p>
               <a:p>
@@ -9744,7 +9733,7 @@
             </p:txBody>
           </p:sp>
         </mc:Choice>
-        <mc:Fallback>
+        <mc:Fallback xmlns="">
           <p:sp>
             <p:nvSpPr>
               <p:cNvPr id="2" name="CasellaDiTesto 1">
@@ -10212,7 +10201,7 @@
               <a:p>
                 <a:r>
                   <a:rPr lang="it-CH" sz="2400" dirty="0"/>
-                  <a:t>Cascaded tanks system. Input: upper tank inlet flow u. Output: lower tank level. </a:t>
+                  <a:t>Cascaded Tanks System. Input: upper tank inlet flow u. Output: lower tank level. </a:t>
                 </a:r>
               </a:p>
               <a:p>
@@ -10285,6 +10274,91 @@
                       <m:sub>
                         <m:r>
                           <a:rPr lang="en-US" sz="2400" b="0" i="1" smtClean="0">
+                            <a:latin typeface="Cambria Math" panose="02040503050406030204" pitchFamily="18" charset="0"/>
+                          </a:rPr>
+                          <m:t>2</m:t>
+                        </m:r>
+                      </m:sub>
+                    </m:sSub>
+                  </m:oMath>
+                </a14:m>
+                <a:endParaRPr lang="en-US" sz="2400" dirty="0"/>
+              </a:p>
+              <a:p>
+                <a:pPr marL="342900" indent="-342900">
+                  <a:buFont typeface="Arial" panose="020B0604020202020204" pitchFamily="34" charset="0"/>
+                  <a:buChar char="•"/>
+                </a:pPr>
+                <a:r>
+                  <a:rPr lang="it-CH" sz="2400" dirty="0"/>
+                  <a:t>The state </a:t>
+                </a:r>
+                <a14:m>
+                  <m:oMath xmlns:m="http://schemas.openxmlformats.org/officeDocument/2006/math">
+                    <m:sSub>
+                      <m:sSubPr>
+                        <m:ctrlPr>
+                          <a:rPr lang="it-CH" sz="2400" i="1">
+                            <a:latin typeface="Cambria Math" panose="02040503050406030204" pitchFamily="18" charset="0"/>
+                          </a:rPr>
+                        </m:ctrlPr>
+                      </m:sSubPr>
+                      <m:e>
+                        <m:r>
+                          <a:rPr lang="en-US" sz="2400" i="1">
+                            <a:latin typeface="Cambria Math" panose="02040503050406030204" pitchFamily="18" charset="0"/>
+                          </a:rPr>
+                          <m:t>𝑥</m:t>
+                        </m:r>
+                      </m:e>
+                      <m:sub>
+                        <m:r>
+                          <a:rPr lang="en-US" sz="2400" i="1">
+                            <a:latin typeface="Cambria Math" panose="02040503050406030204" pitchFamily="18" charset="0"/>
+                          </a:rPr>
+                          <m:t>2</m:t>
+                        </m:r>
+                      </m:sub>
+                    </m:sSub>
+                  </m:oMath>
+                </a14:m>
+                <a:r>
+                  <a:rPr lang="it-CH" sz="2400" dirty="0"/>
+                  <a:t> is measured: </a:t>
+                </a:r>
+                <a14:m>
+                  <m:oMath xmlns:m="http://schemas.openxmlformats.org/officeDocument/2006/math">
+                    <m:r>
+                      <a:rPr lang="en-US" sz="2400" i="1" dirty="0">
+                        <a:latin typeface="Cambria Math" panose="02040503050406030204" pitchFamily="18" charset="0"/>
+                      </a:rPr>
+                      <m:t>𝑦</m:t>
+                    </m:r>
+                    <m:r>
+                      <a:rPr lang="en-US" sz="2400">
+                        <a:latin typeface="Cambria Math" panose="02040503050406030204" pitchFamily="18" charset="0"/>
+                      </a:rPr>
+                      <m:t>=</m:t>
+                    </m:r>
+                    <m:sSub>
+                      <m:sSubPr>
+                        <m:ctrlPr>
+                          <a:rPr lang="it-CH" sz="2400" i="1">
+                            <a:latin typeface="Cambria Math" panose="02040503050406030204" pitchFamily="18" charset="0"/>
+                          </a:rPr>
+                        </m:ctrlPr>
+                      </m:sSubPr>
+                      <m:e>
+                        <m:r>
+                          <a:rPr lang="en-US" sz="2400" i="1">
+                            <a:latin typeface="Cambria Math" panose="02040503050406030204" pitchFamily="18" charset="0"/>
+                          </a:rPr>
+                          <m:t>𝑥</m:t>
+                        </m:r>
+                      </m:e>
+                      <m:sub>
+                        <m:r>
+                          <a:rPr lang="en-US" sz="2400" i="1">
                             <a:latin typeface="Cambria Math" panose="02040503050406030204" pitchFamily="18" charset="0"/>
                           </a:rPr>
                           <m:t>2</m:t>
@@ -10424,91 +10498,6 @@
                   <a:rPr lang="it-CH" sz="2400" dirty="0"/>
                   <a:t> directly</a:t>
                 </a:r>
-              </a:p>
-              <a:p>
-                <a:pPr marL="342900" indent="-342900">
-                  <a:buFont typeface="Arial" panose="020B0604020202020204" pitchFamily="34" charset="0"/>
-                  <a:buChar char="•"/>
-                </a:pPr>
-                <a:r>
-                  <a:rPr lang="it-CH" sz="2400" dirty="0"/>
-                  <a:t>The state </a:t>
-                </a:r>
-                <a14:m>
-                  <m:oMath xmlns:m="http://schemas.openxmlformats.org/officeDocument/2006/math">
-                    <m:sSub>
-                      <m:sSubPr>
-                        <m:ctrlPr>
-                          <a:rPr lang="it-CH" sz="2400" i="1" smtClean="0">
-                            <a:latin typeface="Cambria Math" panose="02040503050406030204" pitchFamily="18" charset="0"/>
-                          </a:rPr>
-                        </m:ctrlPr>
-                      </m:sSubPr>
-                      <m:e>
-                        <m:r>
-                          <a:rPr lang="en-US" sz="2400" b="0" i="1" smtClean="0">
-                            <a:latin typeface="Cambria Math" panose="02040503050406030204" pitchFamily="18" charset="0"/>
-                          </a:rPr>
-                          <m:t>𝑥</m:t>
-                        </m:r>
-                      </m:e>
-                      <m:sub>
-                        <m:r>
-                          <a:rPr lang="en-US" sz="2400" b="0" i="1" smtClean="0">
-                            <a:latin typeface="Cambria Math" panose="02040503050406030204" pitchFamily="18" charset="0"/>
-                          </a:rPr>
-                          <m:t>2</m:t>
-                        </m:r>
-                      </m:sub>
-                    </m:sSub>
-                  </m:oMath>
-                </a14:m>
-                <a:r>
-                  <a:rPr lang="it-CH" sz="2400" dirty="0"/>
-                  <a:t> is measured: </a:t>
-                </a:r>
-                <a14:m>
-                  <m:oMath xmlns:m="http://schemas.openxmlformats.org/officeDocument/2006/math">
-                    <m:r>
-                      <a:rPr lang="en-US" sz="2400" i="1" dirty="0" smtClean="0">
-                        <a:latin typeface="Cambria Math" panose="02040503050406030204" pitchFamily="18" charset="0"/>
-                      </a:rPr>
-                      <m:t>𝑦</m:t>
-                    </m:r>
-                    <m:r>
-                      <a:rPr lang="en-US" sz="2400">
-                        <a:latin typeface="Cambria Math" panose="02040503050406030204" pitchFamily="18" charset="0"/>
-                      </a:rPr>
-                      <m:t>=</m:t>
-                    </m:r>
-                    <m:sSub>
-                      <m:sSubPr>
-                        <m:ctrlPr>
-                          <a:rPr lang="it-CH" sz="2400" i="1">
-                            <a:latin typeface="Cambria Math" panose="02040503050406030204" pitchFamily="18" charset="0"/>
-                          </a:rPr>
-                        </m:ctrlPr>
-                      </m:sSubPr>
-                      <m:e>
-                        <m:r>
-                          <a:rPr lang="en-US" sz="2400" i="1">
-                            <a:latin typeface="Cambria Math" panose="02040503050406030204" pitchFamily="18" charset="0"/>
-                          </a:rPr>
-                          <m:t>𝑥</m:t>
-                        </m:r>
-                      </m:e>
-                      <m:sub>
-                        <m:r>
-                          <a:rPr lang="en-US" sz="2400" i="1">
-                            <a:latin typeface="Cambria Math" panose="02040503050406030204" pitchFamily="18" charset="0"/>
-                          </a:rPr>
-                          <m:t>2</m:t>
-                        </m:r>
-                      </m:sub>
-                    </m:sSub>
-                  </m:oMath>
-                </a14:m>
-                <a:endParaRPr lang="it-CH" sz="2400" dirty="0"/>
               </a:p>
               <a:p>
                 <a:endParaRPr lang="it-CH" sz="2400" dirty="0"/>
@@ -11516,8 +11505,8 @@
           </a:fontRef>
         </p:style>
       </p:cxnSp>
-      <mc:AlternateContent xmlns:mc="http://schemas.openxmlformats.org/markup-compatibility/2006">
-        <mc:Choice xmlns:a14="http://schemas.microsoft.com/office/drawing/2010/main" Requires="a14">
+      <mc:AlternateContent xmlns:mc="http://schemas.openxmlformats.org/markup-compatibility/2006" xmlns:a14="http://schemas.microsoft.com/office/drawing/2010/main">
+        <mc:Choice Requires="a14">
           <p:sp>
             <p:nvSpPr>
               <p:cNvPr id="2" name="CasellaDiTesto 1">
@@ -11561,9 +11550,6 @@
                   <a:rPr lang="it-CH" sz="2000" dirty="0"/>
                   <a:t> might be a valid approach:</a:t>
                 </a:r>
-              </a:p>
-              <a:p>
-                <a:endParaRPr lang="it-CH" sz="2000" dirty="0"/>
               </a:p>
               <a:p>
                 <a:endParaRPr lang="it-CH" sz="2000" dirty="0"/>
@@ -11664,6 +11650,16 @@
                 </a:r>
               </a:p>
               <a:p>
+                <a:pPr marL="342900" indent="-342900">
+                  <a:buFont typeface="Arial" panose="020B0604020202020204" pitchFamily="34" charset="0"/>
+                  <a:buChar char="•"/>
+                </a:pPr>
+                <a:r>
+                  <a:rPr lang="it-CH" sz="2000" dirty="0"/>
+                  <a:t>We stick with it for the exercise session</a:t>
+                </a:r>
+              </a:p>
+              <a:p>
                 <a:endParaRPr lang="it-CH" sz="2000" dirty="0"/>
               </a:p>
               <a:p>
@@ -11772,7 +11768,7 @@
             </p:txBody>
           </p:sp>
         </mc:Choice>
-        <mc:Fallback>
+        <mc:Fallback xmlns="">
           <p:sp>
             <p:nvSpPr>
               <p:cNvPr id="2" name="CasellaDiTesto 1">
@@ -11819,10 +11815,10 @@
       </mc:AlternateContent>
       <p:pic>
         <p:nvPicPr>
-          <p:cNvPr id="9" name="Picture 8" descr="\documentclass{article}&#10;\usepackage{amsmath}&#10;\newcommand{\sys}{S}&#10;\newcommand{\diss}{d}&#10;\newcommand{\learn}{\mathcal{L}} &#10;\newcommand{\free}{\mathcal{M}}  &#10;\newcommand{\D}{\mathcal{D}}&#10;\newcommand{\R}{\mathbb{R}}&#10;\newcommand{\nsamp}{N}&#10;\newcommand{\norm}[1]{\left\lVert#1\right\rVert}&#10;\newcommand{\E}{\mathbb{E}}&#10;\newcommand{\mdl}{M}&#10;\newcommand{\mdlstruc}{\mathcal{M}}&#10;\pagestyle{empty}&#10;&#10;\begin{document}&#10;&#10; \begin{equation*}&#10;  \hat \theta, \hat {x}_0 = \arg \min_{\theta, x_0} \sum_{k=0}^{\nsamp-1} \norm{\hat y_k^\mathrm{sim}(\theta, x_0) - y_k}^2&#10; \end{equation*}&#10;&#10;\end{document}" title="IguanaTex Bitmap Display">
-            <a:extLst>
-              <a:ext uri="{FF2B5EF4-FFF2-40B4-BE49-F238E27FC236}">
-                <a16:creationId xmlns:a16="http://schemas.microsoft.com/office/drawing/2014/main" id="{9EB5E1F4-EBEF-4DEE-A61A-B4D3AFC8F32D}"/>
+          <p:cNvPr id="4" name="Picture 3" descr="\documentclass{article}&#10;\usepackage{amsmath}&#10;\newcommand{\sys}{S}&#10;\newcommand{\diss}{d}&#10;\newcommand{\learn}{\mathcal{L}} &#10;\newcommand{\free}{\mathcal{M}}  &#10;\newcommand{\D}{\mathcal{D}}&#10;\newcommand{\R}{\mathbb{R}}&#10;\newcommand{\nsamp}{N}&#10;\newcommand{\norm}[1]{\left\lVert#1\right\rVert}&#10;\newcommand{\E}{\mathbb{E}}&#10;\newcommand{\mdl}{M}&#10;\newcommand{\mdlstruc}{\mathcal{M}}&#10;\pagestyle{empty}&#10;&#10;\begin{document}&#10;&#10; \begin{equation*}&#10;  \hat \theta, \hat {x}_0 = \arg \min_{\theta, x_0} &#10;\frac{1}{N} \sum_{k=0}^{\nsamp-1} \norm{\hat y_k^\mathrm{sim}(\theta, x_0) - y_k}^2&#10; \end{equation*}&#10;&#10;\end{document}" title="IguanaTex Bitmap Display">
+            <a:extLst>
+              <a:ext uri="{FF2B5EF4-FFF2-40B4-BE49-F238E27FC236}">
+                <a16:creationId xmlns:a16="http://schemas.microsoft.com/office/drawing/2014/main" id="{910BAA61-4168-9C72-DB9F-081FDC80C766}"/>
               </a:ext>
             </a:extLst>
           </p:cNvPr>
@@ -11849,8 +11845,8 @@
         </p:blipFill>
         <p:spPr>
           <a:xfrm>
-            <a:off x="1090836" y="1757427"/>
-            <a:ext cx="4606561" cy="827526"/>
+            <a:off x="1100775" y="1588462"/>
+            <a:ext cx="4965156" cy="827526"/>
           </a:xfrm>
           <a:prstGeom prst="rect">
             <a:avLst/>
@@ -11859,10 +11855,10 @@
       </p:pic>
       <p:pic>
         <p:nvPicPr>
-          <p:cNvPr id="7" name="Picture 6" descr="\documentclass{article}&#10;\usepackage{amsmath}&#10;\newcommand{\sys}{S}&#10;\newcommand{\diss}{d}&#10;\newcommand{\learn}{\mathcal{L}} &#10;\newcommand{\free}{\mathcal{M}}  &#10;\newcommand{\D}{\mathcal{D}}&#10;\newcommand{\R}{\mathbb{R}}&#10;\newcommand{\nsamp}{N}&#10;\newcommand{\norm}[1]{\left\lVert#1\right\rVert}&#10;\newcommand{\E}{\mathbb{E}}&#10;\newcommand{\mdl}{M}&#10;\newcommand{\mdlstruc}{\mathcal{M}}&#10;\pagestyle{empty}&#10;&#10;\begin{document}&#10;&#10; \begin{equation*}&#10; \begin{split}&#10;  x_{k+1}^{\rm sim} &amp;= f(x_k^{\rm sim}, u_k;\;\theta)\\&#10;  \hat{y}_k^{\rm sim} &amp;= g(x_k;\;\theta)&#10;  \end{split}&#10; \end{equation*}&#10;&#10;\end{document}" title="IguanaTex Bitmap Display">
-            <a:extLst>
-              <a:ext uri="{FF2B5EF4-FFF2-40B4-BE49-F238E27FC236}">
-                <a16:creationId xmlns:a16="http://schemas.microsoft.com/office/drawing/2014/main" id="{72134C9B-7B82-803B-E469-9D4FAFFBC72E}"/>
+          <p:cNvPr id="10" name="Picture 9" descr="\documentclass{article}&#10;\usepackage{amsmath}&#10;\newcommand{\sys}{S}&#10;\newcommand{\diss}{d}&#10;\newcommand{\learn}{\mathcal{L}} &#10;\newcommand{\free}{\mathcal{M}}  &#10;\newcommand{\D}{\mathcal{D}}&#10;\newcommand{\R}{\mathbb{R}}&#10;\newcommand{\nsamp}{N}&#10;\newcommand{\norm}[1]{\left\lVert#1\right\rVert}&#10;\newcommand{\E}{\mathbb{E}}&#10;\newcommand{\mdl}{M}&#10;\newcommand{\mdlstruc}{\mathcal{M}}&#10;\pagestyle{empty}&#10;&#10;\begin{document}&#10;&#10; \begin{equation*}&#10; \begin{split}&#10;  x_{k+1} &amp;= f(x_k, u_k;\;\theta)\\&#10;  \hat{y}_k^{\rm sim} &amp;= g(x_k;\;\theta)&#10;  \end{split}&#10; \end{equation*}&#10;&#10;\end{document}" title="IguanaTex Bitmap Display">
+            <a:extLst>
+              <a:ext uri="{FF2B5EF4-FFF2-40B4-BE49-F238E27FC236}">
+                <a16:creationId xmlns:a16="http://schemas.microsoft.com/office/drawing/2014/main" id="{DA87C1AE-9030-5B36-2382-94915C053FB1}"/>
               </a:ext>
             </a:extLst>
           </p:cNvPr>
@@ -11889,8 +11885,8 @@
         </p:blipFill>
         <p:spPr>
           <a:xfrm>
-            <a:off x="6981238" y="1757427"/>
-            <a:ext cx="2574282" cy="783477"/>
+            <a:off x="6961359" y="1588462"/>
+            <a:ext cx="2350431" cy="755496"/>
           </a:xfrm>
           <a:prstGeom prst="rect">
             <a:avLst/>
@@ -11911,7 +11907,7 @@
         </p:nvCxnSpPr>
         <p:spPr>
           <a:xfrm>
-            <a:off x="6282366" y="1713378"/>
+            <a:off x="6292305" y="1520757"/>
             <a:ext cx="0" cy="1020147"/>
           </a:xfrm>
           <a:prstGeom prst="line">
@@ -12524,7 +12520,7 @@
                 </a14:m>
                 <a:r>
                   <a:rPr lang="it-CH" sz="2000" dirty="0"/>
-                  <a:t> extracted from the longer (length </a:t>
+                  <a:t> extracted from the longer (length-</a:t>
                 </a:r>
                 <a14:m>
                   <m:oMath xmlns:m="http://schemas.openxmlformats.org/officeDocument/2006/math">
@@ -13382,7 +13378,7 @@
         <p:spPr>
           <a:xfrm>
             <a:off x="498240" y="1251598"/>
-            <a:ext cx="5767179" cy="3083304"/>
+            <a:ext cx="6291180" cy="3363450"/>
           </a:xfrm>
           <a:prstGeom prst="rect">
             <a:avLst/>
@@ -13421,7 +13417,7 @@
         </p:blipFill>
         <p:spPr>
           <a:xfrm>
-            <a:off x="2343151" y="3763794"/>
+            <a:off x="2617471" y="4049544"/>
             <a:ext cx="773841" cy="224006"/>
           </a:xfrm>
           <a:prstGeom prst="rect">
@@ -13546,12 +13542,12 @@
 <p:tagLst xmlns:a="http://schemas.openxmlformats.org/drawingml/2006/main" xmlns:r="http://schemas.openxmlformats.org/officeDocument/2006/relationships" xmlns:p="http://schemas.openxmlformats.org/presentationml/2006/main">
   <p:tag name="OUTPUTDPI" val="1200"/>
   <p:tag name="ORIGINALHEIGHT" val="30"/>
-  <p:tag name="ORIGINALWIDTH" val="167"/>
+  <p:tag name="ORIGINALWIDTH" val="180"/>
   <p:tag name="OUTPUTTYPE" val="PDF"/>
   <p:tag name="IGUANATEXVERSION" val="160"/>
-  <p:tag name="LATEXADDIN" val="\documentclass{article}&#10;\usepackage{amsmath}&#10;\newcommand{\sys}{S}&#10;\newcommand{\diss}{d}&#10;\newcommand{\learn}{\mathcal{L}} &#10;\newcommand{\free}{\mathcal{M}}  &#10;\newcommand{\D}{\mathcal{D}}&#10;\newcommand{\R}{\mathbb{R}}&#10;\newcommand{\nsamp}{N}&#10;\newcommand{\norm}[1]{\left\lVert#1\right\rVert}&#10;\newcommand{\E}{\mathbb{E}}&#10;\newcommand{\mdl}{M}&#10;\newcommand{\mdlstruc}{\mathcal{M}}&#10;\pagestyle{empty}&#10;&#10;\begin{document}&#10;&#10; \begin{equation*}&#10;  \hat \theta, \hat {x}_0 = \arg \min_{\theta, x_0} \sum_{k=0}^{\nsamp-1} \norm{\hat y_k^\mathrm{sim}(\theta, x_0) - y_k}^2&#10; \end{equation*}&#10;&#10;\end{document}"/>
+  <p:tag name="LATEXADDIN" val="\documentclass{article}&#10;\usepackage{amsmath}&#10;\newcommand{\sys}{S}&#10;\newcommand{\diss}{d}&#10;\newcommand{\learn}{\mathcal{L}} &#10;\newcommand{\free}{\mathcal{M}}  &#10;\newcommand{\D}{\mathcal{D}}&#10;\newcommand{\R}{\mathbb{R}}&#10;\newcommand{\nsamp}{N}&#10;\newcommand{\norm}[1]{\left\lVert#1\right\rVert}&#10;\newcommand{\E}{\mathbb{E}}&#10;\newcommand{\mdl}{M}&#10;\newcommand{\mdlstruc}{\mathcal{M}}&#10;\pagestyle{empty}&#10;&#10;\begin{document}&#10;&#10; \begin{equation*}&#10;  \hat \theta, \hat {x}_0 = \arg \min_{\theta, x_0} &#10;\frac{1}{N} \sum_{k=0}^{\nsamp-1} \norm{\hat y_k^\mathrm{sim}(\theta, x_0) - y_k}^2&#10; \end{equation*}&#10;&#10;\end{document}"/>
   <p:tag name="IGUANATEXSIZE" val="24"/>
-  <p:tag name="IGUANATEXCURSOR" val="451"/>
+  <p:tag name="IGUANATEXCURSOR" val="491"/>
   <p:tag name="TRANSPARENCY" val="True"/>
   <p:tag name="LATEXENGINEID" val="0"/>
   <p:tag name="TEMPFOLDER" val="/Users/marco.forgione/Library/Containers/com.microsoft.Powerpoint/Data/tmp/TemporaryItems/"/>
@@ -13565,13 +13561,13 @@
 <file path=ppt/tags/tag7.xml><?xml version="1.0" encoding="utf-8"?>
 <p:tagLst xmlns:a="http://schemas.openxmlformats.org/drawingml/2006/main" xmlns:r="http://schemas.openxmlformats.org/officeDocument/2006/relationships" xmlns:p="http://schemas.openxmlformats.org/presentationml/2006/main">
   <p:tag name="OUTPUTDPI" val="1200"/>
-  <p:tag name="ORIGINALHEIGHT" val="28"/>
-  <p:tag name="ORIGINALWIDTH" val="92"/>
+  <p:tag name="ORIGINALHEIGHT" val="27"/>
+  <p:tag name="ORIGINALWIDTH" val="84"/>
   <p:tag name="OUTPUTTYPE" val="PDF"/>
   <p:tag name="IGUANATEXVERSION" val="160"/>
-  <p:tag name="LATEXADDIN" val="\documentclass{article}&#10;\usepackage{amsmath}&#10;\newcommand{\sys}{S}&#10;\newcommand{\diss}{d}&#10;\newcommand{\learn}{\mathcal{L}} &#10;\newcommand{\free}{\mathcal{M}}  &#10;\newcommand{\D}{\mathcal{D}}&#10;\newcommand{\R}{\mathbb{R}}&#10;\newcommand{\nsamp}{N}&#10;\newcommand{\norm}[1]{\left\lVert#1\right\rVert}&#10;\newcommand{\E}{\mathbb{E}}&#10;\newcommand{\mdl}{M}&#10;\newcommand{\mdlstruc}{\mathcal{M}}&#10;\pagestyle{empty}&#10;&#10;\begin{document}&#10;&#10; \begin{equation*}&#10; \begin{split}&#10;  x_{k+1}^{\rm sim} &amp;= f(x_k^{\rm sim}, u_k;\;\theta)\\&#10;  \hat{y}_k^{\rm sim} &amp;= g(x_k;\;\theta)&#10;  \end{split}&#10; \end{equation*}&#10;&#10;\end{document}"/>
+  <p:tag name="LATEXADDIN" val="\documentclass{article}&#10;\usepackage{amsmath}&#10;\newcommand{\sys}{S}&#10;\newcommand{\diss}{d}&#10;\newcommand{\learn}{\mathcal{L}} &#10;\newcommand{\free}{\mathcal{M}}  &#10;\newcommand{\D}{\mathcal{D}}&#10;\newcommand{\R}{\mathbb{R}}&#10;\newcommand{\nsamp}{N}&#10;\newcommand{\norm}[1]{\left\lVert#1\right\rVert}&#10;\newcommand{\E}{\mathbb{E}}&#10;\newcommand{\mdl}{M}&#10;\newcommand{\mdlstruc}{\mathcal{M}}&#10;\pagestyle{empty}&#10;&#10;\begin{document}&#10;&#10; \begin{equation*}&#10; \begin{split}&#10;  x_{k+1} &amp;= f(x_k, u_k;\;\theta)\\&#10;  \hat{y}_k^{\rm sim} &amp;= g(x_k;\;\theta)&#10;  \end{split}&#10; \end{equation*}&#10;&#10;\end{document}"/>
   <p:tag name="IGUANATEXSIZE" val="24"/>
-  <p:tag name="IGUANATEXCURSOR" val="522"/>
+  <p:tag name="IGUANATEXCURSOR" val="450"/>
   <p:tag name="TRANSPARENCY" val="True"/>
   <p:tag name="LATEXENGINEID" val="0"/>
   <p:tag name="TEMPFOLDER" val="/Users/marco.forgione/Library/Containers/com.microsoft.Powerpoint/Data/tmp/TemporaryItems/"/>

--- a/Lessons/state_space.pptx
+++ b/Lessons/state_space.pptx
@@ -211,7 +211,7 @@
           <a:p>
             <a:fld id="{99D4630A-6D3B-4C97-A7DC-509EB0048625}" type="datetimeFigureOut">
               <a:rPr lang="it-CH" smtClean="0"/>
-              <a:t>19.04.24</a:t>
+              <a:t>20.04.24</a:t>
             </a:fld>
             <a:endParaRPr lang="it-CH"/>
           </a:p>
@@ -1953,7 +1953,7 @@
           <a:p>
             <a:fld id="{2A147C38-CC24-4E9D-9FE1-BE5105214113}" type="datetimeFigureOut">
               <a:rPr lang="it-CH" smtClean="0"/>
-              <a:t>19.04.24</a:t>
+              <a:t>20.04.24</a:t>
             </a:fld>
             <a:endParaRPr lang="it-CH"/>
           </a:p>
@@ -2161,7 +2161,7 @@
           <a:p>
             <a:fld id="{2A147C38-CC24-4E9D-9FE1-BE5105214113}" type="datetimeFigureOut">
               <a:rPr lang="it-CH" smtClean="0"/>
-              <a:t>19.04.24</a:t>
+              <a:t>20.04.24</a:t>
             </a:fld>
             <a:endParaRPr lang="it-CH"/>
           </a:p>
@@ -2374,7 +2374,7 @@
           <a:p>
             <a:fld id="{2A147C38-CC24-4E9D-9FE1-BE5105214113}" type="datetimeFigureOut">
               <a:rPr lang="it-CH" smtClean="0"/>
-              <a:t>19.04.24</a:t>
+              <a:t>20.04.24</a:t>
             </a:fld>
             <a:endParaRPr lang="it-CH"/>
           </a:p>
@@ -2705,7 +2705,7 @@
           <a:p>
             <a:fld id="{2A147C38-CC24-4E9D-9FE1-BE5105214113}" type="datetimeFigureOut">
               <a:rPr lang="it-CH" smtClean="0"/>
-              <a:t>19.04.24</a:t>
+              <a:t>20.04.24</a:t>
             </a:fld>
             <a:endParaRPr lang="it-CH"/>
           </a:p>
@@ -2984,7 +2984,7 @@
           <a:p>
             <a:fld id="{2A147C38-CC24-4E9D-9FE1-BE5105214113}" type="datetimeFigureOut">
               <a:rPr lang="it-CH" smtClean="0"/>
-              <a:t>19.04.24</a:t>
+              <a:t>20.04.24</a:t>
             </a:fld>
             <a:endParaRPr lang="it-CH"/>
           </a:p>
@@ -3260,7 +3260,7 @@
           <a:p>
             <a:fld id="{2A147C38-CC24-4E9D-9FE1-BE5105214113}" type="datetimeFigureOut">
               <a:rPr lang="it-CH" smtClean="0"/>
-              <a:t>19.04.24</a:t>
+              <a:t>20.04.24</a:t>
             </a:fld>
             <a:endParaRPr lang="it-CH"/>
           </a:p>
@@ -3678,7 +3678,7 @@
           <a:p>
             <a:fld id="{2A147C38-CC24-4E9D-9FE1-BE5105214113}" type="datetimeFigureOut">
               <a:rPr lang="it-CH" smtClean="0"/>
-              <a:t>19.04.24</a:t>
+              <a:t>20.04.24</a:t>
             </a:fld>
             <a:endParaRPr lang="it-CH"/>
           </a:p>
@@ -3828,7 +3828,7 @@
           <a:p>
             <a:fld id="{2A147C38-CC24-4E9D-9FE1-BE5105214113}" type="datetimeFigureOut">
               <a:rPr lang="it-CH" smtClean="0"/>
-              <a:t>19.04.24</a:t>
+              <a:t>20.04.24</a:t>
             </a:fld>
             <a:endParaRPr lang="it-CH"/>
           </a:p>
@@ -3941,7 +3941,7 @@
           <a:p>
             <a:fld id="{2A147C38-CC24-4E9D-9FE1-BE5105214113}" type="datetimeFigureOut">
               <a:rPr lang="it-CH" smtClean="0"/>
-              <a:t>19.04.24</a:t>
+              <a:t>20.04.24</a:t>
             </a:fld>
             <a:endParaRPr lang="it-CH"/>
           </a:p>
@@ -4257,7 +4257,7 @@
           <a:p>
             <a:fld id="{2A147C38-CC24-4E9D-9FE1-BE5105214113}" type="datetimeFigureOut">
               <a:rPr lang="it-CH" smtClean="0"/>
-              <a:t>19.04.24</a:t>
+              <a:t>20.04.24</a:t>
             </a:fld>
             <a:endParaRPr lang="it-CH"/>
           </a:p>
@@ -4549,7 +4549,7 @@
           <a:p>
             <a:fld id="{2A147C38-CC24-4E9D-9FE1-BE5105214113}" type="datetimeFigureOut">
               <a:rPr lang="it-CH" smtClean="0"/>
-              <a:t>19.04.24</a:t>
+              <a:t>20.04.24</a:t>
             </a:fld>
             <a:endParaRPr lang="it-CH"/>
           </a:p>
@@ -4792,7 +4792,7 @@
           <a:p>
             <a:fld id="{2A147C38-CC24-4E9D-9FE1-BE5105214113}" type="datetimeFigureOut">
               <a:rPr lang="it-CH" smtClean="0"/>
-              <a:t>19.04.24</a:t>
+              <a:t>20.04.24</a:t>
             </a:fld>
             <a:endParaRPr lang="it-CH"/>
           </a:p>
@@ -7948,8 +7948,43 @@
         </p:blipFill>
         <p:spPr>
           <a:xfrm>
-            <a:off x="6370713" y="1752998"/>
+            <a:off x="6342581" y="1656345"/>
             <a:ext cx="3678923" cy="3173825"/>
+          </a:xfrm>
+          <a:prstGeom prst="rect">
+            <a:avLst/>
+          </a:prstGeom>
+        </p:spPr>
+      </p:pic>
+      <p:pic>
+        <p:nvPicPr>
+          <p:cNvPr id="4" name="Picture 3">
+            <a:extLst>
+              <a:ext uri="{FF2B5EF4-FFF2-40B4-BE49-F238E27FC236}">
+                <a16:creationId xmlns:a16="http://schemas.microsoft.com/office/drawing/2014/main" id="{6A158FAC-9E6C-CFE1-8932-9484294D4EA6}"/>
+              </a:ext>
+            </a:extLst>
+          </p:cNvPr>
+          <p:cNvPicPr>
+            <a:picLocks noChangeAspect="1"/>
+          </p:cNvPicPr>
+          <p:nvPr/>
+        </p:nvPicPr>
+        <p:blipFill>
+          <a:blip r:embed="rId10">
+            <a:extLst>
+              <a:ext uri="{28A0092B-C50C-407E-A947-70E740481C1C}">
+                <a14:useLocalDpi xmlns:a14="http://schemas.microsoft.com/office/drawing/2010/main" val="0"/>
+              </a:ext>
+            </a:extLst>
+          </a:blip>
+          <a:srcRect/>
+          <a:stretch/>
+        </p:blipFill>
+        <p:spPr>
+          <a:xfrm>
+            <a:off x="6826249" y="5073415"/>
+            <a:ext cx="3059087" cy="1283260"/>
           </a:xfrm>
           <a:prstGeom prst="rect">
             <a:avLst/>
@@ -8930,7 +8965,7 @@
               <a:p>
                 <a:r>
                   <a:rPr lang="it-CH" sz="2400" dirty="0"/>
-                  <a:t>They are defined in discrete/continuous time by:</a:t>
+                  <a:t>They are defined in continuous/discrete time by:</a:t>
                 </a:r>
               </a:p>
               <a:p>
@@ -9159,7 +9194,7 @@
         </p:blipFill>
         <p:spPr>
           <a:xfrm>
-            <a:off x="2488977" y="1671735"/>
+            <a:off x="7251477" y="1642188"/>
             <a:ext cx="2499360" cy="762000"/>
           </a:xfrm>
           <a:prstGeom prst="rect">
@@ -9199,7 +9234,7 @@
         </p:blipFill>
         <p:spPr>
           <a:xfrm>
-            <a:off x="7168831" y="1642188"/>
+            <a:off x="1834831" y="1642188"/>
             <a:ext cx="1737360" cy="762000"/>
           </a:xfrm>
           <a:prstGeom prst="rect">
@@ -9599,7 +9634,7 @@
             <p:spPr>
               <a:xfrm>
                 <a:off x="47625" y="704850"/>
-                <a:ext cx="12192000" cy="6001643"/>
+                <a:ext cx="12192000" cy="7109639"/>
               </a:xfrm>
               <a:prstGeom prst="rect">
                 <a:avLst/>
@@ -9665,9 +9700,6 @@
                 <a:endParaRPr lang="it-CH" sz="2400" dirty="0"/>
               </a:p>
               <a:p>
-                <a:endParaRPr lang="it-CH" sz="2400" dirty="0"/>
-              </a:p>
-              <a:p>
                 <a:r>
                   <a:rPr lang="it-CH" sz="2400" dirty="0"/>
                   <a:t>Overall, we define a </a:t>
@@ -9696,9 +9728,21 @@
                 <a:endParaRPr lang="it-CH" sz="2400" dirty="0"/>
               </a:p>
               <a:p>
+                <a:endParaRPr lang="it-CH" sz="2400" dirty="0"/>
+              </a:p>
+              <a:p>
+                <a:endParaRPr lang="it-CH" sz="2400" dirty="0"/>
+              </a:p>
+              <a:p>
+                <a:endParaRPr lang="it-CH" sz="2400" dirty="0"/>
+              </a:p>
+              <a:p>
+                <a:endParaRPr lang="it-CH" sz="2400" dirty="0"/>
+              </a:p>
+              <a:p>
                 <a:r>
                   <a:rPr lang="it-CH" sz="2400" dirty="0"/>
-                  <a:t>With  respect to standard RNNs (Elman RNN, LSTM, GRU), focus on:</a:t>
+                  <a:t>With  respect to classic RNNs (Elman RNN, LSTM) :</a:t>
                 </a:r>
               </a:p>
               <a:p>
@@ -9751,7 +9795,7 @@
             <p:spPr>
               <a:xfrm>
                 <a:off x="47625" y="704850"/>
-                <a:ext cx="12192000" cy="6001643"/>
+                <a:ext cx="12192000" cy="7109639"/>
               </a:xfrm>
               <a:prstGeom prst="rect">
                 <a:avLst/>
@@ -9780,10 +9824,10 @@
       </mc:AlternateContent>
       <p:pic>
         <p:nvPicPr>
-          <p:cNvPr id="13" name="Picture 12" descr="\documentclass{article}&#10;\usepackage{amsmath}&#10;\newcommand{\sys}{S}&#10;\newcommand{\diss}{d}&#10;\newcommand{\learn}{\mathcal{L}} &#10;\newcommand{\free}{\mathcal{M}}  &#10;\newcommand{\D}{\mathcal{D}}&#10;\newcommand{\R}{\mathbb{R}}&#10;\newcommand{\nsamp}{N}&#10;\newcommand{\norm}[1]{\left\lVert#1\right\rVert}&#10;\newcommand{\E}{\mathbb{E}}&#10;\newcommand{\mdl}{M}&#10;\newcommand{\mdlstruc}{\mathcal{M}}&#10;\pagestyle{empty}&#10;&#10;\begin{document}&#10;&#10;\begin{align*}&#10;f_\theta(z) &amp;= W_3 \sigma(W_2\sigma(W_1 z + b_1) + b_2) + b_3\\&#10;z &amp;= [x \;u]^\top\\&#10;\theta &amp;= \mathrm{vec}(W_1, W_2, W_3, b_1, b_2, b_3)&#10;\end{align*}&#10;&#10;\end{document}" title="IguanaTex Bitmap Display">
-            <a:extLst>
-              <a:ext uri="{FF2B5EF4-FFF2-40B4-BE49-F238E27FC236}">
-                <a16:creationId xmlns:a16="http://schemas.microsoft.com/office/drawing/2014/main" id="{76B43E82-80C8-EB57-936C-6DC24EE97995}"/>
+          <p:cNvPr id="4" name="Picture 3" descr="\documentclass{article}&#10;\usepackage{amsmath}&#10;\newcommand{\sys}{S}&#10;\newcommand{\diss}{d}&#10;\newcommand{\learn}{\mathcal{L}} &#10;\newcommand{\free}{\mathcal{M}}  &#10;\newcommand{\D}{\mathcal{D}}&#10;\newcommand{\R}{\mathbb{R}}&#10;\newcommand{\nsamp}{N}&#10;\newcommand{\norm}[1]{\left\lVert#1\right\rVert}&#10;\newcommand{\E}{\mathbb{E}}&#10;\newcommand{\mdl}{M}&#10;\newcommand{\mdlstruc}{\mathcal{M}}&#10;\pagestyle{empty}&#10;&#10;\begin{document}&#10;&#10;\begin{align*}&#10;f(z; \theta) &amp;= W_3 \sigma(W_2\sigma(W_1 z + b_1) + b_2) + b_3\\&#10;z &amp;= [x \;u]^\top\\&#10;\theta &amp;= \mathrm{vec}(W_1, W_2, W_3, b_1, b_2, b_3)&#10;\end{align*}&#10;&#10;\end{document}" title="IguanaTex Bitmap Display">
+            <a:extLst>
+              <a:ext uri="{FF2B5EF4-FFF2-40B4-BE49-F238E27FC236}">
+                <a16:creationId xmlns:a16="http://schemas.microsoft.com/office/drawing/2014/main" id="{B1C7E997-7463-2BE6-301B-6547454CA76D}"/>
               </a:ext>
             </a:extLst>
           </p:cNvPr>
@@ -9811,7 +9855,7 @@
         <p:spPr>
           <a:xfrm>
             <a:off x="5853403" y="1795963"/>
-            <a:ext cx="4467808" cy="1097356"/>
+            <a:ext cx="4624573" cy="1097356"/>
           </a:xfrm>
           <a:prstGeom prst="rect">
             <a:avLst/>
@@ -9820,10 +9864,10 @@
       </p:pic>
       <p:pic>
         <p:nvPicPr>
-          <p:cNvPr id="18" name="Picture 17" descr="\documentclass{article}&#10;\usepackage{amsmath}&#10;\newcommand{\sys}{S}&#10;\newcommand{\diss}{d}&#10;\newcommand{\learn}{\mathcal{L}} &#10;\newcommand{\free}{\mathcal{M}}  &#10;\newcommand{\D}{\mathcal{D}}&#10;\newcommand{\R}{\mathbb{R}}&#10;\newcommand{\nsamp}{N}&#10;\newcommand{\norm}[1]{\left\lVert#1\right\rVert}&#10;\newcommand{\E}{\mathbb{E}}&#10;\newcommand{\mdl}{M}&#10;\newcommand{\mdlstruc}{\mathcal{M}}&#10;\pagestyle{empty}&#10;&#10;\begin{document}&#10;&#10;\begin{align*}&#10;x_{k+1} &amp;= f(x_k, u_k; \theta) \\&#10;y_k &amp;= g(x_k; \theta)&#10;\end{align*}&#10;&#10;\end{document}" title="IguanaTex Bitmap Display">
-            <a:extLst>
-              <a:ext uri="{FF2B5EF4-FFF2-40B4-BE49-F238E27FC236}">
-                <a16:creationId xmlns:a16="http://schemas.microsoft.com/office/drawing/2014/main" id="{A4CC3EF9-2D5B-10AC-6D5D-843735917A15}"/>
+          <p:cNvPr id="14" name="Picture 13" descr="\documentclass{article}&#10;\usepackage{amsmath}&#10;\newcommand{\sys}{S}&#10;\newcommand{\diss}{d}&#10;\newcommand{\learn}{\mathcal{L}} &#10;\newcommand{\free}{\mathcal{M}}  &#10;\newcommand{\D}{\mathcal{D}}&#10;\newcommand{\R}{\mathbb{R}}&#10;\newcommand{\nsamp}{N}&#10;\newcommand{\norm}[1]{\left\lVert#1\right\rVert}&#10;\newcommand{\E}{\mathbb{E}}&#10;\newcommand{\mdl}{M}&#10;\newcommand{\mdlstruc}{\mathcal{M}}&#10;\pagestyle{empty}&#10;&#10;\begin{document}&#10;&#10;\begin{align*}&#10;x_{k+1} &amp;= x_k + f(x_k, u_k; \theta) \\&#10;y_k &amp;= g(x_k; \theta)&#10;\end{align*}&#10;&#10;\end{document}" title="IguanaTex Bitmap Display">
+            <a:extLst>
+              <a:ext uri="{FF2B5EF4-FFF2-40B4-BE49-F238E27FC236}">
+                <a16:creationId xmlns:a16="http://schemas.microsoft.com/office/drawing/2014/main" id="{F1987F9B-01D4-E32A-2809-CF06DE62B8F2}"/>
               </a:ext>
             </a:extLst>
           </p:cNvPr>
@@ -9851,7 +9895,42 @@
         <p:spPr>
           <a:xfrm>
             <a:off x="865451" y="1795963"/>
-            <a:ext cx="2499360" cy="762000"/>
+            <a:ext cx="3169920" cy="762000"/>
+          </a:xfrm>
+          <a:prstGeom prst="rect">
+            <a:avLst/>
+          </a:prstGeom>
+        </p:spPr>
+      </p:pic>
+      <p:pic>
+        <p:nvPicPr>
+          <p:cNvPr id="10" name="Picture 9">
+            <a:extLst>
+              <a:ext uri="{FF2B5EF4-FFF2-40B4-BE49-F238E27FC236}">
+                <a16:creationId xmlns:a16="http://schemas.microsoft.com/office/drawing/2014/main" id="{68F742A0-6837-EA89-92D2-120E5F17646F}"/>
+              </a:ext>
+            </a:extLst>
+          </p:cNvPr>
+          <p:cNvPicPr>
+            <a:picLocks noChangeAspect="1"/>
+          </p:cNvPicPr>
+          <p:nvPr/>
+        </p:nvPicPr>
+        <p:blipFill>
+          <a:blip r:embed="rId8">
+            <a:extLst>
+              <a:ext uri="{28A0092B-C50C-407E-A947-70E740481C1C}">
+                <a14:useLocalDpi xmlns:a14="http://schemas.microsoft.com/office/drawing/2010/main" val="0"/>
+              </a:ext>
+            </a:extLst>
+          </a:blip>
+          <a:srcRect/>
+          <a:stretch/>
+        </p:blipFill>
+        <p:spPr>
+          <a:xfrm>
+            <a:off x="3524485" y="3523847"/>
+            <a:ext cx="3960552" cy="1661417"/>
           </a:xfrm>
           <a:prstGeom prst="rect">
             <a:avLst/>
@@ -9904,7 +9983,7 @@
                                         <p:tgtEl>
                                           <p:spTgt spid="2">
                                             <p:txEl>
-                                              <p:pRg st="10" end="10"/>
+                                              <p:pRg st="13" end="13"/>
                                             </p:txEl>
                                           </p:spTgt>
                                         </p:tgtEl>
@@ -9935,7 +10014,7 @@
                                         <p:tgtEl>
                                           <p:spTgt spid="2">
                                             <p:txEl>
-                                              <p:pRg st="11" end="11"/>
+                                              <p:pRg st="14" end="14"/>
                                             </p:txEl>
                                           </p:spTgt>
                                         </p:tgtEl>
@@ -9966,7 +10045,7 @@
                                         <p:tgtEl>
                                           <p:spTgt spid="2">
                                             <p:txEl>
-                                              <p:pRg st="12" end="12"/>
+                                              <p:pRg st="15" end="15"/>
                                             </p:txEl>
                                           </p:spTgt>
                                         </p:tgtEl>
@@ -11521,7 +11600,7 @@
             </p:nvSpPr>
             <p:spPr>
               <a:xfrm>
-                <a:off x="0" y="693597"/>
+                <a:off x="-6350" y="693597"/>
                 <a:ext cx="12192000" cy="6001643"/>
               </a:xfrm>
               <a:prstGeom prst="rect">
@@ -11785,7 +11864,7 @@
             </p:nvSpPr>
             <p:spPr>
               <a:xfrm>
-                <a:off x="0" y="693597"/>
+                <a:off x="-6350" y="693597"/>
                 <a:ext cx="12192000" cy="6001643"/>
               </a:xfrm>
               <a:prstGeom prst="rect">
@@ -11855,10 +11934,10 @@
       </p:pic>
       <p:pic>
         <p:nvPicPr>
-          <p:cNvPr id="10" name="Picture 9" descr="\documentclass{article}&#10;\usepackage{amsmath}&#10;\newcommand{\sys}{S}&#10;\newcommand{\diss}{d}&#10;\newcommand{\learn}{\mathcal{L}} &#10;\newcommand{\free}{\mathcal{M}}  &#10;\newcommand{\D}{\mathcal{D}}&#10;\newcommand{\R}{\mathbb{R}}&#10;\newcommand{\nsamp}{N}&#10;\newcommand{\norm}[1]{\left\lVert#1\right\rVert}&#10;\newcommand{\E}{\mathbb{E}}&#10;\newcommand{\mdl}{M}&#10;\newcommand{\mdlstruc}{\mathcal{M}}&#10;\pagestyle{empty}&#10;&#10;\begin{document}&#10;&#10; \begin{equation*}&#10; \begin{split}&#10;  x_{k+1} &amp;= f(x_k, u_k;\;\theta)\\&#10;  \hat{y}_k^{\rm sim} &amp;= g(x_k;\;\theta)&#10;  \end{split}&#10; \end{equation*}&#10;&#10;\end{document}" title="IguanaTex Bitmap Display">
-            <a:extLst>
-              <a:ext uri="{FF2B5EF4-FFF2-40B4-BE49-F238E27FC236}">
-                <a16:creationId xmlns:a16="http://schemas.microsoft.com/office/drawing/2014/main" id="{DA87C1AE-9030-5B36-2382-94915C053FB1}"/>
+          <p:cNvPr id="6" name="Picture 5" descr="\documentclass{article}&#10;\usepackage{amsmath}&#10;\newcommand{\sys}{S}&#10;\newcommand{\diss}{d}&#10;\newcommand{\learn}{\mathcal{L}} &#10;\newcommand{\free}{\mathcal{M}}  &#10;\newcommand{\D}{\mathcal{D}}&#10;\newcommand{\R}{\mathbb{R}}&#10;\newcommand{\nsamp}{N}&#10;\newcommand{\norm}[1]{\left\lVert#1\right\rVert}&#10;\newcommand{\E}{\mathbb{E}}&#10;\newcommand{\mdl}{M}&#10;\newcommand{\mdlstruc}{\mathcal{M}}&#10;\pagestyle{empty}&#10;&#10;\begin{document}&#10;&#10; \begin{equation*}&#10; \begin{split}&#10;  x_{k+1} &amp;= x_k + &#10;f(x_k, u_k;\;\theta)\\&#10;  \hat{y}_k^{\rm sim} &amp;= g(x_k;\;\theta)&#10;  \end{split}&#10; \end{equation*}&#10;&#10;\end{document}" title="IguanaTex Bitmap Display">
+            <a:extLst>
+              <a:ext uri="{FF2B5EF4-FFF2-40B4-BE49-F238E27FC236}">
+                <a16:creationId xmlns:a16="http://schemas.microsoft.com/office/drawing/2014/main" id="{DEA1D1EC-6181-64E4-494B-1C13BAE6B944}"/>
               </a:ext>
             </a:extLst>
           </p:cNvPr>
@@ -11886,7 +11965,7 @@
         <p:spPr>
           <a:xfrm>
             <a:off x="6961359" y="1588462"/>
-            <a:ext cx="2350431" cy="755496"/>
+            <a:ext cx="2994001" cy="755496"/>
           </a:xfrm>
           <a:prstGeom prst="rect">
             <a:avLst/>
@@ -11929,6 +12008,73 @@
           </a:fontRef>
         </p:style>
       </p:cxnSp>
+      <p:sp>
+        <p:nvSpPr>
+          <p:cNvPr id="3" name="TextBox 2">
+            <a:extLst>
+              <a:ext uri="{FF2B5EF4-FFF2-40B4-BE49-F238E27FC236}">
+                <a16:creationId xmlns:a16="http://schemas.microsoft.com/office/drawing/2014/main" id="{02FCCE4A-2560-642C-E06F-E862DE921BA7}"/>
+              </a:ext>
+            </a:extLst>
+          </p:cNvPr>
+          <p:cNvSpPr txBox="1"/>
+          <p:nvPr/>
+        </p:nvSpPr>
+        <p:spPr>
+          <a:xfrm>
+            <a:off x="3346450" y="-793750"/>
+            <a:ext cx="184731" cy="369332"/>
+          </a:xfrm>
+          <a:prstGeom prst="rect">
+            <a:avLst/>
+          </a:prstGeom>
+          <a:noFill/>
+        </p:spPr>
+        <p:txBody>
+          <a:bodyPr wrap="none" rtlCol="0">
+            <a:spAutoFit/>
+          </a:bodyPr>
+          <a:lstStyle/>
+          <a:p>
+            <a:endParaRPr lang="en-CH" dirty="0"/>
+          </a:p>
+        </p:txBody>
+      </p:sp>
+      <p:pic>
+        <p:nvPicPr>
+          <p:cNvPr id="7" name="Picture 6">
+            <a:extLst>
+              <a:ext uri="{FF2B5EF4-FFF2-40B4-BE49-F238E27FC236}">
+                <a16:creationId xmlns:a16="http://schemas.microsoft.com/office/drawing/2014/main" id="{12269468-8265-B07C-8EBD-A9BBBDC578C0}"/>
+              </a:ext>
+            </a:extLst>
+          </p:cNvPr>
+          <p:cNvPicPr>
+            <a:picLocks noChangeAspect="1"/>
+          </p:cNvPicPr>
+          <p:nvPr/>
+        </p:nvPicPr>
+        <p:blipFill>
+          <a:blip r:embed="rId8">
+            <a:extLst>
+              <a:ext uri="{28A0092B-C50C-407E-A947-70E740481C1C}">
+                <a14:useLocalDpi xmlns:a14="http://schemas.microsoft.com/office/drawing/2010/main" val="0"/>
+              </a:ext>
+            </a:extLst>
+          </a:blip>
+          <a:srcRect/>
+          <a:stretch/>
+        </p:blipFill>
+        <p:spPr>
+          <a:xfrm>
+            <a:off x="7289799" y="2622377"/>
+            <a:ext cx="3403601" cy="1427781"/>
+          </a:xfrm>
+          <a:prstGeom prst="rect">
+            <a:avLst/>
+          </a:prstGeom>
+        </p:spPr>
+      </p:pic>
     </p:spTree>
     <p:extLst>
       <p:ext uri="{BB962C8B-B14F-4D97-AF65-F5344CB8AC3E}">
@@ -12645,7 +12791,7 @@
 </file>
 
 <file path=ppt/slides/slide8.xml><?xml version="1.0" encoding="utf-8"?>
-<p:sld xmlns:a="http://schemas.openxmlformats.org/drawingml/2006/main" xmlns:r="http://schemas.openxmlformats.org/officeDocument/2006/relationships" xmlns:p="http://schemas.openxmlformats.org/presentationml/2006/main">
+<p:sld xmlns:a="http://schemas.openxmlformats.org/drawingml/2006/main" xmlns:r="http://schemas.openxmlformats.org/officeDocument/2006/relationships" xmlns:p="http://schemas.openxmlformats.org/presentationml/2006/main" show="0">
   <p:cSld>
     <p:spTree>
       <p:nvGrpSpPr>
@@ -13192,128 +13338,190 @@
           </a:fontRef>
         </p:style>
       </p:cxnSp>
-      <p:sp>
-        <p:nvSpPr>
-          <p:cNvPr id="2" name="CasellaDiTesto 1">
-            <a:extLst>
-              <a:ext uri="{FF2B5EF4-FFF2-40B4-BE49-F238E27FC236}">
-                <a16:creationId xmlns:a16="http://schemas.microsoft.com/office/drawing/2014/main" id="{A2DE14E0-CC7B-02C4-B850-8C14C7345D75}"/>
-              </a:ext>
-            </a:extLst>
-          </p:cNvPr>
-          <p:cNvSpPr txBox="1"/>
-          <p:nvPr/>
-        </p:nvSpPr>
-        <p:spPr>
-          <a:xfrm>
-            <a:off x="47625" y="704850"/>
-            <a:ext cx="12192000" cy="5632311"/>
-          </a:xfrm>
-          <a:prstGeom prst="rect">
-            <a:avLst/>
-          </a:prstGeom>
-          <a:noFill/>
-        </p:spPr>
-        <p:txBody>
-          <a:bodyPr wrap="square" rtlCol="0">
-            <a:spAutoFit/>
-          </a:bodyPr>
-          <a:lstStyle/>
-          <a:p>
-            <a:endParaRPr lang="it-CH" sz="2000" dirty="0"/>
-          </a:p>
-          <a:p>
-            <a:endParaRPr lang="it-CH" sz="2000" dirty="0"/>
-          </a:p>
-          <a:p>
-            <a:endParaRPr lang="it-CH" sz="2000" dirty="0"/>
-          </a:p>
-          <a:p>
-            <a:endParaRPr lang="it-CH" sz="2000" dirty="0"/>
-          </a:p>
-          <a:p>
-            <a:endParaRPr lang="it-CH" sz="2000" dirty="0"/>
-          </a:p>
-          <a:p>
-            <a:endParaRPr lang="it-CH" sz="2000" dirty="0"/>
-          </a:p>
-          <a:p>
-            <a:endParaRPr lang="it-CH" sz="2000" dirty="0"/>
-          </a:p>
-          <a:p>
-            <a:endParaRPr lang="it-CH" sz="2000" dirty="0"/>
-          </a:p>
-          <a:p>
-            <a:endParaRPr lang="it-CH" sz="2000" dirty="0"/>
-          </a:p>
-          <a:p>
-            <a:endParaRPr lang="it-CH" sz="2000" dirty="0"/>
-          </a:p>
-          <a:p>
-            <a:endParaRPr lang="it-CH" sz="2000" dirty="0"/>
-          </a:p>
-          <a:p>
-            <a:pPr marL="342900" indent="-342900">
-              <a:buFont typeface="Arial" panose="020B0604020202020204" pitchFamily="34" charset="0"/>
-              <a:buChar char="•"/>
-            </a:pPr>
-            <a:endParaRPr lang="it-CH" sz="2000" dirty="0"/>
-          </a:p>
-          <a:p>
-            <a:endParaRPr lang="it-CH" sz="2000" b="1" dirty="0"/>
-          </a:p>
-          <a:p>
-            <a:endParaRPr lang="it-CH" sz="2000" b="1" dirty="0"/>
-          </a:p>
-          <a:p>
-            <a:pPr marL="342900" indent="-342900">
-              <a:buFont typeface="Arial" panose="020B0604020202020204" pitchFamily="34" charset="0"/>
-              <a:buChar char="•"/>
-            </a:pPr>
-            <a:r>
-              <a:rPr lang="it-CH" sz="2000" dirty="0"/>
-              <a:t>Initialize from arbitrary (ZERO) state and discard a few initial samples from the loss</a:t>
-            </a:r>
-          </a:p>
-          <a:p>
-            <a:pPr marL="342900" indent="-342900">
-              <a:buFont typeface="Arial" panose="020B0604020202020204" pitchFamily="34" charset="0"/>
-              <a:buChar char="•"/>
-            </a:pPr>
-            <a:r>
-              <a:rPr lang="it-CH" sz="2000" dirty="0"/>
-              <a:t>Described as a baseline in </a:t>
-            </a:r>
-            <a:r>
-              <a:rPr lang="it-CH" sz="1400" dirty="0"/>
-              <a:t>M.Forgione, M.Mejari, and D.Piga, </a:t>
-            </a:r>
-            <a:r>
-              <a:rPr lang="it-CH" sz="1400" dirty="0">
-                <a:hlinkClick r:id="rId4"/>
-              </a:rPr>
-              <a:t>Learning neural state-space models: do we need a state estimator?</a:t>
-            </a:r>
-            <a:r>
-              <a:rPr lang="it-CH" sz="1400" dirty="0"/>
-              <a:t>, 2022 </a:t>
-            </a:r>
-          </a:p>
-          <a:p>
-            <a:pPr marL="342900" indent="-342900">
-              <a:buFont typeface="Arial" panose="020B0604020202020204" pitchFamily="34" charset="0"/>
-              <a:buChar char="•"/>
-            </a:pPr>
-            <a:r>
-              <a:rPr lang="it-CH" sz="2000" dirty="0"/>
-              <a:t>Very simple, yet effective when the system memory is short  wrt sequence length m</a:t>
-            </a:r>
-          </a:p>
-          <a:p>
-            <a:endParaRPr lang="it-CH" sz="2000" dirty="0"/>
-          </a:p>
-        </p:txBody>
-      </p:sp>
+      <mc:AlternateContent xmlns:mc="http://schemas.openxmlformats.org/markup-compatibility/2006" xmlns:a14="http://schemas.microsoft.com/office/drawing/2010/main">
+        <mc:Choice Requires="a14">
+          <p:sp>
+            <p:nvSpPr>
+              <p:cNvPr id="2" name="CasellaDiTesto 1">
+                <a:extLst>
+                  <a:ext uri="{FF2B5EF4-FFF2-40B4-BE49-F238E27FC236}">
+                    <a16:creationId xmlns:a16="http://schemas.microsoft.com/office/drawing/2014/main" id="{A2DE14E0-CC7B-02C4-B850-8C14C7345D75}"/>
+                  </a:ext>
+                </a:extLst>
+              </p:cNvPr>
+              <p:cNvSpPr txBox="1"/>
+              <p:nvPr/>
+            </p:nvSpPr>
+            <p:spPr>
+              <a:xfrm>
+                <a:off x="47625" y="704850"/>
+                <a:ext cx="12192000" cy="5632311"/>
+              </a:xfrm>
+              <a:prstGeom prst="rect">
+                <a:avLst/>
+              </a:prstGeom>
+              <a:noFill/>
+            </p:spPr>
+            <p:txBody>
+              <a:bodyPr wrap="square" rtlCol="0">
+                <a:spAutoFit/>
+              </a:bodyPr>
+              <a:lstStyle/>
+              <a:p>
+                <a:endParaRPr lang="it-CH" sz="2000" dirty="0"/>
+              </a:p>
+              <a:p>
+                <a:endParaRPr lang="it-CH" sz="2000" dirty="0"/>
+              </a:p>
+              <a:p>
+                <a:endParaRPr lang="it-CH" sz="2000" dirty="0"/>
+              </a:p>
+              <a:p>
+                <a:endParaRPr lang="it-CH" sz="2000" dirty="0"/>
+              </a:p>
+              <a:p>
+                <a:endParaRPr lang="it-CH" sz="2000" dirty="0"/>
+              </a:p>
+              <a:p>
+                <a:endParaRPr lang="it-CH" sz="2000" dirty="0"/>
+              </a:p>
+              <a:p>
+                <a:endParaRPr lang="it-CH" sz="2000" dirty="0"/>
+              </a:p>
+              <a:p>
+                <a:endParaRPr lang="it-CH" sz="2000" dirty="0"/>
+              </a:p>
+              <a:p>
+                <a:endParaRPr lang="it-CH" sz="2000" dirty="0"/>
+              </a:p>
+              <a:p>
+                <a:endParaRPr lang="it-CH" sz="2000" dirty="0"/>
+              </a:p>
+              <a:p>
+                <a:endParaRPr lang="it-CH" sz="2000" dirty="0"/>
+              </a:p>
+              <a:p>
+                <a:pPr marL="342900" indent="-342900">
+                  <a:buFont typeface="Arial" panose="020B0604020202020204" pitchFamily="34" charset="0"/>
+                  <a:buChar char="•"/>
+                </a:pPr>
+                <a:endParaRPr lang="it-CH" sz="2000" dirty="0"/>
+              </a:p>
+              <a:p>
+                <a:endParaRPr lang="it-CH" sz="2000" b="1" dirty="0"/>
+              </a:p>
+              <a:p>
+                <a:endParaRPr lang="it-CH" sz="2000" b="1" dirty="0"/>
+              </a:p>
+              <a:p>
+                <a:pPr marL="342900" indent="-342900">
+                  <a:buFont typeface="Arial" panose="020B0604020202020204" pitchFamily="34" charset="0"/>
+                  <a:buChar char="•"/>
+                </a:pPr>
+                <a:r>
+                  <a:rPr lang="it-CH" sz="2000" dirty="0"/>
+                  <a:t>Initialize from arbitrary (ZERO) state and discard a few initial samples from the loss</a:t>
+                </a:r>
+              </a:p>
+              <a:p>
+                <a:pPr marL="342900" indent="-342900">
+                  <a:buFont typeface="Arial" panose="020B0604020202020204" pitchFamily="34" charset="0"/>
+                  <a:buChar char="•"/>
+                </a:pPr>
+                <a:r>
+                  <a:rPr lang="it-CH" sz="2000" dirty="0"/>
+                  <a:t>Described as a baseline in </a:t>
+                </a:r>
+                <a:r>
+                  <a:rPr lang="it-CH" sz="1400" dirty="0"/>
+                  <a:t>M.Forgione, M.Mejari, and D.Piga, </a:t>
+                </a:r>
+                <a:r>
+                  <a:rPr lang="it-CH" sz="1400" dirty="0">
+                    <a:hlinkClick r:id="rId4"/>
+                  </a:rPr>
+                  <a:t>Learning neural state-space models: do we need a state estimator?</a:t>
+                </a:r>
+                <a:r>
+                  <a:rPr lang="it-CH" sz="1400" dirty="0"/>
+                  <a:t>, 2022 </a:t>
+                </a:r>
+              </a:p>
+              <a:p>
+                <a:pPr marL="342900" indent="-342900">
+                  <a:buFont typeface="Arial" panose="020B0604020202020204" pitchFamily="34" charset="0"/>
+                  <a:buChar char="•"/>
+                </a:pPr>
+                <a:r>
+                  <a:rPr lang="it-CH" sz="2000" dirty="0"/>
+                  <a:t>Very simple, yet effective when the system memory is short  (wrt sequence length </a:t>
+                </a:r>
+                <a14:m>
+                  <m:oMath xmlns:m="http://schemas.openxmlformats.org/officeDocument/2006/math">
+                    <m:r>
+                      <a:rPr lang="it-CH" sz="2000" i="1" dirty="0" smtClean="0">
+                        <a:latin typeface="Cambria Math" panose="02040503050406030204" pitchFamily="18" charset="0"/>
+                      </a:rPr>
+                      <m:t>𝑚</m:t>
+                    </m:r>
+                  </m:oMath>
+                </a14:m>
+                <a:r>
+                  <a:rPr lang="it-CH" sz="2000" dirty="0"/>
+                  <a:t>)</a:t>
+                </a:r>
+              </a:p>
+              <a:p>
+                <a:endParaRPr lang="it-CH" sz="2000" dirty="0"/>
+              </a:p>
+            </p:txBody>
+          </p:sp>
+        </mc:Choice>
+        <mc:Fallback xmlns="">
+          <p:sp>
+            <p:nvSpPr>
+              <p:cNvPr id="2" name="CasellaDiTesto 1">
+                <a:extLst>
+                  <a:ext uri="{FF2B5EF4-FFF2-40B4-BE49-F238E27FC236}">
+                    <a16:creationId xmlns:a16="http://schemas.microsoft.com/office/drawing/2014/main" id="{A2DE14E0-CC7B-02C4-B850-8C14C7345D75}"/>
+                  </a:ext>
+                </a:extLst>
+              </p:cNvPr>
+              <p:cNvSpPr txBox="1">
+                <a:spLocks noRot="1" noChangeAspect="1" noMove="1" noResize="1" noEditPoints="1" noAdjustHandles="1" noChangeArrowheads="1" noChangeShapeType="1" noTextEdit="1"/>
+              </p:cNvSpPr>
+              <p:nvPr/>
+            </p:nvSpPr>
+            <p:spPr>
+              <a:xfrm>
+                <a:off x="47625" y="704850"/>
+                <a:ext cx="12192000" cy="5632311"/>
+              </a:xfrm>
+              <a:prstGeom prst="rect">
+                <a:avLst/>
+              </a:prstGeom>
+              <a:blipFill>
+                <a:blip r:embed="rId5"/>
+                <a:stretch>
+                  <a:fillRect l="-416"/>
+                </a:stretch>
+              </a:blipFill>
+            </p:spPr>
+            <p:txBody>
+              <a:bodyPr/>
+              <a:lstStyle/>
+              <a:p>
+                <a:r>
+                  <a:rPr lang="en-CH">
+                    <a:noFill/>
+                  </a:rPr>
+                  <a:t> </a:t>
+                </a:r>
+              </a:p>
+            </p:txBody>
+          </p:sp>
+        </mc:Fallback>
+      </mc:AlternateContent>
       <p:pic>
         <p:nvPicPr>
           <p:cNvPr id="8" name="Picture 7">
@@ -13329,7 +13537,7 @@
           <p:nvPr/>
         </p:nvPicPr>
         <p:blipFill>
-          <a:blip r:embed="rId5">
+          <a:blip r:embed="rId6">
             <a:extLst>
               <a:ext uri="{28A0092B-C50C-407E-A947-70E740481C1C}">
                 <a14:useLocalDpi xmlns:a14="http://schemas.microsoft.com/office/drawing/2010/main" val="0"/>
@@ -13365,7 +13573,7 @@
           <p:nvPr/>
         </p:nvPicPr>
         <p:blipFill>
-          <a:blip r:embed="rId6">
+          <a:blip r:embed="rId7">
             <a:extLst>
               <a:ext uri="{28A0092B-C50C-407E-A947-70E740481C1C}">
                 <a14:useLocalDpi xmlns:a14="http://schemas.microsoft.com/office/drawing/2010/main" val="0"/>
@@ -13404,7 +13612,7 @@
           </p:nvPr>
         </p:nvPicPr>
         <p:blipFill>
-          <a:blip r:embed="rId7">
+          <a:blip r:embed="rId8">
             <a:extLst>
               <a:ext uri="{28A0092B-C50C-407E-A947-70E740481C1C}">
                 <a14:useLocalDpi xmlns:a14="http://schemas.microsoft.com/office/drawing/2010/main" val="0"/>
@@ -13482,12 +13690,12 @@
 <p:tagLst xmlns:a="http://schemas.openxmlformats.org/drawingml/2006/main" xmlns:r="http://schemas.openxmlformats.org/officeDocument/2006/relationships" xmlns:p="http://schemas.openxmlformats.org/presentationml/2006/main">
   <p:tag name="OUTPUTDPI" val="1200"/>
   <p:tag name="ORIGINALHEIGHT" val="42"/>
-  <p:tag name="ORIGINALWIDTH" val="171"/>
+  <p:tag name="ORIGINALWIDTH" val="177"/>
   <p:tag name="OUTPUTTYPE" val="PDF"/>
   <p:tag name="IGUANATEXVERSION" val="160"/>
-  <p:tag name="LATEXADDIN" val="\documentclass{article}&#10;\usepackage{amsmath}&#10;\newcommand{\sys}{S}&#10;\newcommand{\diss}{d}&#10;\newcommand{\learn}{\mathcal{L}} &#10;\newcommand{\free}{\mathcal{M}}  &#10;\newcommand{\D}{\mathcal{D}}&#10;\newcommand{\R}{\mathbb{R}}&#10;\newcommand{\nsamp}{N}&#10;\newcommand{\norm}[1]{\left\lVert#1\right\rVert}&#10;\newcommand{\E}{\mathbb{E}}&#10;\newcommand{\mdl}{M}&#10;\newcommand{\mdlstruc}{\mathcal{M}}&#10;\pagestyle{empty}&#10;&#10;\begin{document}&#10;&#10;\begin{align*}&#10;f_\theta(z) &amp;= W_3 \sigma(W_2\sigma(W_1 z + b_1) + b_2) + b_3\\&#10;z &amp;= [x \;u]^\top\\&#10;\theta &amp;= \mathrm{vec}(W_1, W_2, W_3, b_1, b_2, b_3)&#10;\end{align*}&#10;&#10;\end{document}"/>
+  <p:tag name="LATEXADDIN" val="\documentclass{article}&#10;\usepackage{amsmath}&#10;\newcommand{\sys}{S}&#10;\newcommand{\diss}{d}&#10;\newcommand{\learn}{\mathcal{L}} &#10;\newcommand{\free}{\mathcal{M}}  &#10;\newcommand{\D}{\mathcal{D}}&#10;\newcommand{\R}{\mathbb{R}}&#10;\newcommand{\nsamp}{N}&#10;\newcommand{\norm}[1]{\left\lVert#1\right\rVert}&#10;\newcommand{\E}{\mathbb{E}}&#10;\newcommand{\mdl}{M}&#10;\newcommand{\mdlstruc}{\mathcal{M}}&#10;\pagestyle{empty}&#10;&#10;\begin{document}&#10;&#10;\begin{align*}&#10;f(z; \theta) &amp;= W_3 \sigma(W_2\sigma(W_1 z + b_1) + b_2) + b_3\\&#10;z &amp;= [x \;u]^\top\\&#10;\theta &amp;= \mathrm{vec}(W_1, W_2, W_3, b_1, b_2, b_3)&#10;\end{align*}&#10;&#10;\end{document}"/>
   <p:tag name="IGUANATEXSIZE" val="24"/>
-  <p:tag name="IGUANATEXCURSOR" val="528"/>
+  <p:tag name="IGUANATEXCURSOR" val="433"/>
   <p:tag name="TRANSPARENCY" val="True"/>
   <p:tag name="LATEXENGINEID" val="0"/>
   <p:tag name="TEMPFOLDER" val="/Users/marco.forgione/Library/Containers/com.microsoft.Powerpoint/Data/tmp/TemporaryItems/"/>
@@ -13502,12 +13710,12 @@
 <p:tagLst xmlns:a="http://schemas.openxmlformats.org/drawingml/2006/main" xmlns:r="http://schemas.openxmlformats.org/officeDocument/2006/relationships" xmlns:p="http://schemas.openxmlformats.org/presentationml/2006/main">
   <p:tag name="OUTPUTDPI" val="1200"/>
   <p:tag name="ORIGINALHEIGHT" val="25"/>
-  <p:tag name="ORIGINALWIDTH" val="82"/>
+  <p:tag name="ORIGINALWIDTH" val="104"/>
   <p:tag name="OUTPUTTYPE" val="PDF"/>
   <p:tag name="IGUANATEXVERSION" val="160"/>
-  <p:tag name="LATEXADDIN" val="\documentclass{article}&#10;\usepackage{amsmath}&#10;\newcommand{\sys}{S}&#10;\newcommand{\diss}{d}&#10;\newcommand{\learn}{\mathcal{L}} &#10;\newcommand{\free}{\mathcal{M}}  &#10;\newcommand{\D}{\mathcal{D}}&#10;\newcommand{\R}{\mathbb{R}}&#10;\newcommand{\nsamp}{N}&#10;\newcommand{\norm}[1]{\left\lVert#1\right\rVert}&#10;\newcommand{\E}{\mathbb{E}}&#10;\newcommand{\mdl}{M}&#10;\newcommand{\mdlstruc}{\mathcal{M}}&#10;\pagestyle{empty}&#10;&#10;\begin{document}&#10;&#10;\begin{align*}&#10;x_{k+1} &amp;= f(x_k, u_k; \theta) \\&#10;y_k &amp;= g(x_k; \theta)&#10;\end{align*}&#10;&#10;\end{document}"/>
+  <p:tag name="LATEXADDIN" val="\documentclass{article}&#10;\usepackage{amsmath}&#10;\newcommand{\sys}{S}&#10;\newcommand{\diss}{d}&#10;\newcommand{\learn}{\mathcal{L}} &#10;\newcommand{\free}{\mathcal{M}}  &#10;\newcommand{\D}{\mathcal{D}}&#10;\newcommand{\R}{\mathbb{R}}&#10;\newcommand{\nsamp}{N}&#10;\newcommand{\norm}[1]{\left\lVert#1\right\rVert}&#10;\newcommand{\E}{\mathbb{E}}&#10;\newcommand{\mdl}{M}&#10;\newcommand{\mdlstruc}{\mathcal{M}}&#10;\pagestyle{empty}&#10;&#10;\begin{document}&#10;&#10;\begin{align*}&#10;x_{k+1} &amp;= x_k + f(x_k, u_k; \theta) \\&#10;y_k &amp;= g(x_k; \theta)&#10;\end{align*}&#10;&#10;\end{document}"/>
   <p:tag name="IGUANATEXSIZE" val="24"/>
-  <p:tag name="IGUANATEXCURSOR" val="476"/>
+  <p:tag name="IGUANATEXCURSOR" val="439"/>
   <p:tag name="TRANSPARENCY" val="True"/>
   <p:tag name="LATEXENGINEID" val="0"/>
   <p:tag name="TEMPFOLDER" val="/Users/marco.forgione/Library/Containers/com.microsoft.Powerpoint/Data/tmp/TemporaryItems/"/>
@@ -13562,12 +13770,12 @@
 <p:tagLst xmlns:a="http://schemas.openxmlformats.org/drawingml/2006/main" xmlns:r="http://schemas.openxmlformats.org/officeDocument/2006/relationships" xmlns:p="http://schemas.openxmlformats.org/presentationml/2006/main">
   <p:tag name="OUTPUTDPI" val="1200"/>
   <p:tag name="ORIGINALHEIGHT" val="27"/>
-  <p:tag name="ORIGINALWIDTH" val="84"/>
+  <p:tag name="ORIGINALWIDTH" val="107"/>
   <p:tag name="OUTPUTTYPE" val="PDF"/>
   <p:tag name="IGUANATEXVERSION" val="160"/>
-  <p:tag name="LATEXADDIN" val="\documentclass{article}&#10;\usepackage{amsmath}&#10;\newcommand{\sys}{S}&#10;\newcommand{\diss}{d}&#10;\newcommand{\learn}{\mathcal{L}} &#10;\newcommand{\free}{\mathcal{M}}  &#10;\newcommand{\D}{\mathcal{D}}&#10;\newcommand{\R}{\mathbb{R}}&#10;\newcommand{\nsamp}{N}&#10;\newcommand{\norm}[1]{\left\lVert#1\right\rVert}&#10;\newcommand{\E}{\mathbb{E}}&#10;\newcommand{\mdl}{M}&#10;\newcommand{\mdlstruc}{\mathcal{M}}&#10;\pagestyle{empty}&#10;&#10;\begin{document}&#10;&#10; \begin{equation*}&#10; \begin{split}&#10;  x_{k+1} &amp;= f(x_k, u_k;\;\theta)\\&#10;  \hat{y}_k^{\rm sim} &amp;= g(x_k;\;\theta)&#10;  \end{split}&#10; \end{equation*}&#10;&#10;\end{document}"/>
+  <p:tag name="LATEXADDIN" val="\documentclass{article}&#10;\usepackage{amsmath}&#10;\newcommand{\sys}{S}&#10;\newcommand{\diss}{d}&#10;\newcommand{\learn}{\mathcal{L}} &#10;\newcommand{\free}{\mathcal{M}}  &#10;\newcommand{\D}{\mathcal{D}}&#10;\newcommand{\R}{\mathbb{R}}&#10;\newcommand{\nsamp}{N}&#10;\newcommand{\norm}[1]{\left\lVert#1\right\rVert}&#10;\newcommand{\E}{\mathbb{E}}&#10;\newcommand{\mdl}{M}&#10;\newcommand{\mdlstruc}{\mathcal{M}}&#10;\pagestyle{empty}&#10;&#10;\begin{document}&#10;&#10; \begin{equation*}&#10; \begin{split}&#10;  x_{k+1} &amp;= x_k + &#10;f(x_k, u_k;\;\theta)\\&#10;  \hat{y}_k^{\rm sim} &amp;= g(x_k;\;\theta)&#10;  \end{split}&#10; \end{equation*}&#10;&#10;\end{document}"/>
   <p:tag name="IGUANATEXSIZE" val="24"/>
-  <p:tag name="IGUANATEXCURSOR" val="450"/>
+  <p:tag name="IGUANATEXCURSOR" val="461"/>
   <p:tag name="TRANSPARENCY" val="True"/>
   <p:tag name="LATEXENGINEID" val="0"/>
   <p:tag name="TEMPFOLDER" val="/Users/marco.forgione/Library/Containers/com.microsoft.Powerpoint/Data/tmp/TemporaryItems/"/>

--- a/Lessons/state_space.pptx
+++ b/Lessons/state_space.pptx
@@ -211,7 +211,7 @@
           <a:p>
             <a:fld id="{99D4630A-6D3B-4C97-A7DC-509EB0048625}" type="datetimeFigureOut">
               <a:rPr lang="it-CH" smtClean="0"/>
-              <a:t>20.04.24</a:t>
+              <a:t>21.04.24</a:t>
             </a:fld>
             <a:endParaRPr lang="it-CH"/>
           </a:p>
@@ -1953,7 +1953,7 @@
           <a:p>
             <a:fld id="{2A147C38-CC24-4E9D-9FE1-BE5105214113}" type="datetimeFigureOut">
               <a:rPr lang="it-CH" smtClean="0"/>
-              <a:t>20.04.24</a:t>
+              <a:t>21.04.24</a:t>
             </a:fld>
             <a:endParaRPr lang="it-CH"/>
           </a:p>
@@ -2161,7 +2161,7 @@
           <a:p>
             <a:fld id="{2A147C38-CC24-4E9D-9FE1-BE5105214113}" type="datetimeFigureOut">
               <a:rPr lang="it-CH" smtClean="0"/>
-              <a:t>20.04.24</a:t>
+              <a:t>21.04.24</a:t>
             </a:fld>
             <a:endParaRPr lang="it-CH"/>
           </a:p>
@@ -2374,7 +2374,7 @@
           <a:p>
             <a:fld id="{2A147C38-CC24-4E9D-9FE1-BE5105214113}" type="datetimeFigureOut">
               <a:rPr lang="it-CH" smtClean="0"/>
-              <a:t>20.04.24</a:t>
+              <a:t>21.04.24</a:t>
             </a:fld>
             <a:endParaRPr lang="it-CH"/>
           </a:p>
@@ -2705,7 +2705,7 @@
           <a:p>
             <a:fld id="{2A147C38-CC24-4E9D-9FE1-BE5105214113}" type="datetimeFigureOut">
               <a:rPr lang="it-CH" smtClean="0"/>
-              <a:t>20.04.24</a:t>
+              <a:t>21.04.24</a:t>
             </a:fld>
             <a:endParaRPr lang="it-CH"/>
           </a:p>
@@ -2984,7 +2984,7 @@
           <a:p>
             <a:fld id="{2A147C38-CC24-4E9D-9FE1-BE5105214113}" type="datetimeFigureOut">
               <a:rPr lang="it-CH" smtClean="0"/>
-              <a:t>20.04.24</a:t>
+              <a:t>21.04.24</a:t>
             </a:fld>
             <a:endParaRPr lang="it-CH"/>
           </a:p>
@@ -3260,7 +3260,7 @@
           <a:p>
             <a:fld id="{2A147C38-CC24-4E9D-9FE1-BE5105214113}" type="datetimeFigureOut">
               <a:rPr lang="it-CH" smtClean="0"/>
-              <a:t>20.04.24</a:t>
+              <a:t>21.04.24</a:t>
             </a:fld>
             <a:endParaRPr lang="it-CH"/>
           </a:p>
@@ -3678,7 +3678,7 @@
           <a:p>
             <a:fld id="{2A147C38-CC24-4E9D-9FE1-BE5105214113}" type="datetimeFigureOut">
               <a:rPr lang="it-CH" smtClean="0"/>
-              <a:t>20.04.24</a:t>
+              <a:t>21.04.24</a:t>
             </a:fld>
             <a:endParaRPr lang="it-CH"/>
           </a:p>
@@ -3828,7 +3828,7 @@
           <a:p>
             <a:fld id="{2A147C38-CC24-4E9D-9FE1-BE5105214113}" type="datetimeFigureOut">
               <a:rPr lang="it-CH" smtClean="0"/>
-              <a:t>20.04.24</a:t>
+              <a:t>21.04.24</a:t>
             </a:fld>
             <a:endParaRPr lang="it-CH"/>
           </a:p>
@@ -3941,7 +3941,7 @@
           <a:p>
             <a:fld id="{2A147C38-CC24-4E9D-9FE1-BE5105214113}" type="datetimeFigureOut">
               <a:rPr lang="it-CH" smtClean="0"/>
-              <a:t>20.04.24</a:t>
+              <a:t>21.04.24</a:t>
             </a:fld>
             <a:endParaRPr lang="it-CH"/>
           </a:p>
@@ -4257,7 +4257,7 @@
           <a:p>
             <a:fld id="{2A147C38-CC24-4E9D-9FE1-BE5105214113}" type="datetimeFigureOut">
               <a:rPr lang="it-CH" smtClean="0"/>
-              <a:t>20.04.24</a:t>
+              <a:t>21.04.24</a:t>
             </a:fld>
             <a:endParaRPr lang="it-CH"/>
           </a:p>
@@ -4549,7 +4549,7 @@
           <a:p>
             <a:fld id="{2A147C38-CC24-4E9D-9FE1-BE5105214113}" type="datetimeFigureOut">
               <a:rPr lang="it-CH" smtClean="0"/>
-              <a:t>20.04.24</a:t>
+              <a:t>21.04.24</a:t>
             </a:fld>
             <a:endParaRPr lang="it-CH"/>
           </a:p>
@@ -4792,7 +4792,7 @@
           <a:p>
             <a:fld id="{2A147C38-CC24-4E9D-9FE1-BE5105214113}" type="datetimeFigureOut">
               <a:rPr lang="it-CH" smtClean="0"/>
-              <a:t>20.04.24</a:t>
+              <a:t>21.04.24</a:t>
             </a:fld>
             <a:endParaRPr lang="it-CH"/>
           </a:p>
@@ -9617,8 +9617,8 @@
           </a:fontRef>
         </p:style>
       </p:cxnSp>
-      <mc:AlternateContent xmlns:mc="http://schemas.openxmlformats.org/markup-compatibility/2006" xmlns:a14="http://schemas.microsoft.com/office/drawing/2010/main">
-        <mc:Choice Requires="a14">
+      <mc:AlternateContent xmlns:mc="http://schemas.openxmlformats.org/markup-compatibility/2006">
+        <mc:Choice xmlns:a14="http://schemas.microsoft.com/office/drawing/2010/main" Requires="a14">
           <p:sp>
             <p:nvSpPr>
               <p:cNvPr id="2" name="CasellaDiTesto 1">
@@ -9742,7 +9742,7 @@
               <a:p>
                 <a:r>
                   <a:rPr lang="it-CH" sz="2400" dirty="0"/>
-                  <a:t>With  respect to classic RNNs (Elman RNN, LSTM) :</a:t>
+                  <a:t>With  respect to classic RNNs (Elman/Vanilla RNN, LSTM) , focus on:</a:t>
                 </a:r>
               </a:p>
               <a:p>
@@ -9777,7 +9777,7 @@
             </p:txBody>
           </p:sp>
         </mc:Choice>
-        <mc:Fallback xmlns="">
+        <mc:Fallback>
           <p:sp>
             <p:nvSpPr>
               <p:cNvPr id="2" name="CasellaDiTesto 1">
@@ -10839,7 +10839,7 @@
           <a:p>
             <a:r>
               <a:rPr lang="en-GB" sz="1050" dirty="0"/>
-              <a:t>Identification results published in Forgione, M. and </a:t>
+              <a:t>Identification results in Forgione, M. and </a:t>
             </a:r>
             <a:r>
               <a:rPr lang="en-GB" sz="1050" dirty="0" err="1"/>
@@ -11584,8 +11584,8 @@
           </a:fontRef>
         </p:style>
       </p:cxnSp>
-      <mc:AlternateContent xmlns:mc="http://schemas.openxmlformats.org/markup-compatibility/2006" xmlns:a14="http://schemas.microsoft.com/office/drawing/2010/main">
-        <mc:Choice Requires="a14">
+      <mc:AlternateContent xmlns:mc="http://schemas.openxmlformats.org/markup-compatibility/2006">
+        <mc:Choice xmlns:a14="http://schemas.microsoft.com/office/drawing/2010/main" Requires="a14">
           <p:sp>
             <p:nvSpPr>
               <p:cNvPr id="2" name="CasellaDiTesto 1">
@@ -11833,7 +11833,15 @@
               <a:p>
                 <a:r>
                   <a:rPr lang="it-CH" sz="2000" dirty="0"/>
-                  <a:t>For these reasons, methods based on simulation on </a:t>
+                  <a:t>For these reasons</a:t>
+                </a:r>
+                <a:r>
+                  <a:rPr lang="it-CH" sz="2000"/>
+                  <a:t>, alternative methods </a:t>
+                </a:r>
+                <a:r>
+                  <a:rPr lang="it-CH" sz="2000" dirty="0"/>
+                  <a:t>based on simulation on </a:t>
                 </a:r>
                 <a:r>
                   <a:rPr lang="it-CH" sz="2000" b="1" dirty="0"/>
@@ -11847,7 +11855,7 @@
             </p:txBody>
           </p:sp>
         </mc:Choice>
-        <mc:Fallback xmlns="">
+        <mc:Fallback>
           <p:sp>
             <p:nvSpPr>
               <p:cNvPr id="2" name="CasellaDiTesto 1">
